--- a/MATPLOTLIB_INTRODUCCION.pptx
+++ b/MATPLOTLIB_INTRODUCCION.pptx
@@ -10,6 +10,9 @@
     <p:sldId id="258" r:id="rId4"/>
     <p:sldId id="259" r:id="rId5"/>
     <p:sldId id="260" r:id="rId6"/>
+    <p:sldId id="261" r:id="rId7"/>
+    <p:sldId id="263" r:id="rId8"/>
+    <p:sldId id="262" r:id="rId9"/>
   </p:sldIdLst>
   <p:sldSz cx="12192000" cy="6858000"/>
   <p:notesSz cx="6858000" cy="9144000"/>
@@ -292,7 +295,7 @@
           <a:p>
             <a:fld id="{D47221B9-5A14-4495-9DCF-3C5634D30F03}" type="datetimeFigureOut">
               <a:rPr lang="es-PE" smtClean="0"/>
-              <a:t>14/03/2023</a:t>
+              <a:t>19/03/2023</a:t>
             </a:fld>
             <a:endParaRPr lang="es-PE"/>
           </a:p>
@@ -462,7 +465,7 @@
           <a:p>
             <a:fld id="{D47221B9-5A14-4495-9DCF-3C5634D30F03}" type="datetimeFigureOut">
               <a:rPr lang="es-PE" smtClean="0"/>
-              <a:t>14/03/2023</a:t>
+              <a:t>19/03/2023</a:t>
             </a:fld>
             <a:endParaRPr lang="es-PE"/>
           </a:p>
@@ -685,7 +688,7 @@
           <a:p>
             <a:fld id="{D47221B9-5A14-4495-9DCF-3C5634D30F03}" type="datetimeFigureOut">
               <a:rPr lang="es-PE" smtClean="0"/>
-              <a:t>14/03/2023</a:t>
+              <a:t>19/03/2023</a:t>
             </a:fld>
             <a:endParaRPr lang="es-PE"/>
           </a:p>
@@ -865,7 +868,7 @@
           <a:p>
             <a:fld id="{D47221B9-5A14-4495-9DCF-3C5634D30F03}" type="datetimeFigureOut">
               <a:rPr lang="es-PE" smtClean="0"/>
-              <a:t>14/03/2023</a:t>
+              <a:t>19/03/2023</a:t>
             </a:fld>
             <a:endParaRPr lang="es-PE"/>
           </a:p>
@@ -1171,7 +1174,7 @@
           <a:p>
             <a:fld id="{D47221B9-5A14-4495-9DCF-3C5634D30F03}" type="datetimeFigureOut">
               <a:rPr lang="es-PE" smtClean="0"/>
-              <a:t>14/03/2023</a:t>
+              <a:t>19/03/2023</a:t>
             </a:fld>
             <a:endParaRPr lang="es-PE"/>
           </a:p>
@@ -1475,7 +1478,7 @@
           <a:p>
             <a:fld id="{D47221B9-5A14-4495-9DCF-3C5634D30F03}" type="datetimeFigureOut">
               <a:rPr lang="es-PE" smtClean="0"/>
-              <a:t>14/03/2023</a:t>
+              <a:t>19/03/2023</a:t>
             </a:fld>
             <a:endParaRPr lang="es-PE"/>
           </a:p>
@@ -1897,7 +1900,7 @@
           <a:p>
             <a:fld id="{D47221B9-5A14-4495-9DCF-3C5634D30F03}" type="datetimeFigureOut">
               <a:rPr lang="es-PE" smtClean="0"/>
-              <a:t>14/03/2023</a:t>
+              <a:t>19/03/2023</a:t>
             </a:fld>
             <a:endParaRPr lang="es-PE"/>
           </a:p>
@@ -2015,7 +2018,7 @@
           <a:p>
             <a:fld id="{D47221B9-5A14-4495-9DCF-3C5634D30F03}" type="datetimeFigureOut">
               <a:rPr lang="es-PE" smtClean="0"/>
-              <a:t>14/03/2023</a:t>
+              <a:t>19/03/2023</a:t>
             </a:fld>
             <a:endParaRPr lang="es-PE"/>
           </a:p>
@@ -2110,7 +2113,7 @@
           <a:p>
             <a:fld id="{D47221B9-5A14-4495-9DCF-3C5634D30F03}" type="datetimeFigureOut">
               <a:rPr lang="es-PE" smtClean="0"/>
-              <a:t>14/03/2023</a:t>
+              <a:t>19/03/2023</a:t>
             </a:fld>
             <a:endParaRPr lang="es-PE"/>
           </a:p>
@@ -2383,7 +2386,7 @@
           <a:p>
             <a:fld id="{D47221B9-5A14-4495-9DCF-3C5634D30F03}" type="datetimeFigureOut">
               <a:rPr lang="es-PE" smtClean="0"/>
-              <a:t>14/03/2023</a:t>
+              <a:t>19/03/2023</a:t>
             </a:fld>
             <a:endParaRPr lang="es-PE"/>
           </a:p>
@@ -2648,7 +2651,7 @@
           <a:p>
             <a:fld id="{D47221B9-5A14-4495-9DCF-3C5634D30F03}" type="datetimeFigureOut">
               <a:rPr lang="es-PE" smtClean="0"/>
-              <a:t>14/03/2023</a:t>
+              <a:t>19/03/2023</a:t>
             </a:fld>
             <a:endParaRPr lang="es-PE"/>
           </a:p>
@@ -2897,7 +2900,7 @@
           <a:p>
             <a:fld id="{D47221B9-5A14-4495-9DCF-3C5634D30F03}" type="datetimeFigureOut">
               <a:rPr lang="es-PE" smtClean="0"/>
-              <a:t>14/03/2023</a:t>
+              <a:t>19/03/2023</a:t>
             </a:fld>
             <a:endParaRPr lang="es-PE"/>
           </a:p>
@@ -4264,6 +4267,419 @@
 </p:sld>
 </file>
 
+<file path=ppt/slides/slide6.xml><?xml version="1.0" encoding="utf-8"?>
+<p:sld xmlns:a="http://schemas.openxmlformats.org/drawingml/2006/main" xmlns:r="http://schemas.openxmlformats.org/officeDocument/2006/relationships" xmlns:p="http://schemas.openxmlformats.org/presentationml/2006/main">
+  <p:cSld>
+    <p:spTree>
+      <p:nvGrpSpPr>
+        <p:cNvPr id="1" name=""/>
+        <p:cNvGrpSpPr/>
+        <p:nvPr/>
+      </p:nvGrpSpPr>
+      <p:grpSpPr>
+        <a:xfrm>
+          <a:off x="0" y="0"/>
+          <a:ext cx="0" cy="0"/>
+          <a:chOff x="0" y="0"/>
+          <a:chExt cx="0" cy="0"/>
+        </a:xfrm>
+      </p:grpSpPr>
+      <p:sp>
+        <p:nvSpPr>
+          <p:cNvPr id="2" name="Título 1">
+            <a:extLst>
+              <a:ext uri="{FF2B5EF4-FFF2-40B4-BE49-F238E27FC236}">
+                <a16:creationId xmlns:a16="http://schemas.microsoft.com/office/drawing/2014/main" id="{BB5CC77D-E456-481F-92C0-F169FE2821B3}"/>
+              </a:ext>
+            </a:extLst>
+          </p:cNvPr>
+          <p:cNvSpPr>
+            <a:spLocks noGrp="1"/>
+          </p:cNvSpPr>
+          <p:nvPr>
+            <p:ph type="title"/>
+          </p:nvPr>
+        </p:nvSpPr>
+        <p:spPr/>
+        <p:txBody>
+          <a:bodyPr/>
+          <a:lstStyle/>
+          <a:p>
+            <a:r>
+              <a:rPr lang="es-MX" b="1" dirty="0"/>
+              <a:t>grafico de barras</a:t>
+            </a:r>
+            <a:endParaRPr lang="es-PE" b="1" dirty="0"/>
+          </a:p>
+        </p:txBody>
+      </p:sp>
+      <p:sp>
+        <p:nvSpPr>
+          <p:cNvPr id="4" name="Marcador de contenido 3">
+            <a:extLst>
+              <a:ext uri="{FF2B5EF4-FFF2-40B4-BE49-F238E27FC236}">
+                <a16:creationId xmlns:a16="http://schemas.microsoft.com/office/drawing/2014/main" id="{B5A56B6F-C87C-4DAE-B193-1ABF6B521388}"/>
+              </a:ext>
+            </a:extLst>
+          </p:cNvPr>
+          <p:cNvSpPr>
+            <a:spLocks noGrp="1"/>
+          </p:cNvSpPr>
+          <p:nvPr>
+            <p:ph sz="half" idx="1"/>
+          </p:nvPr>
+        </p:nvSpPr>
+        <p:spPr/>
+        <p:txBody>
+          <a:bodyPr/>
+          <a:lstStyle/>
+          <a:p>
+            <a:r>
+              <a:rPr lang="es-MX" dirty="0"/>
+              <a:t>Los gráficos de barras se usan para comparar datos entre diferentes categorías, estos se pueden representar horizontal o verticalmente. Veamos cómo podemos implementar este tipo de gráficos en </a:t>
+            </a:r>
+            <a:r>
+              <a:rPr lang="es-MX" dirty="0" err="1"/>
+              <a:t>matplotlib</a:t>
+            </a:r>
+            <a:r>
+              <a:rPr lang="es-MX" dirty="0"/>
+              <a:t>.</a:t>
+            </a:r>
+            <a:endParaRPr lang="es-PE" dirty="0"/>
+          </a:p>
+        </p:txBody>
+      </p:sp>
+      <p:pic>
+        <p:nvPicPr>
+          <p:cNvPr id="1026" name="Picture 2" descr="Introducción-a-MAtplotlib-parte-2-3">
+            <a:extLst>
+              <a:ext uri="{FF2B5EF4-FFF2-40B4-BE49-F238E27FC236}">
+                <a16:creationId xmlns:a16="http://schemas.microsoft.com/office/drawing/2014/main" id="{55765E95-9D7C-492D-B3E9-CB8BA55B08B1}"/>
+              </a:ext>
+            </a:extLst>
+          </p:cNvPr>
+          <p:cNvPicPr>
+            <a:picLocks noChangeAspect="1" noChangeArrowheads="1"/>
+          </p:cNvPicPr>
+          <p:nvPr/>
+        </p:nvPicPr>
+        <p:blipFill>
+          <a:blip r:embed="rId2">
+            <a:extLst>
+              <a:ext uri="{28A0092B-C50C-407E-A947-70E740481C1C}">
+                <a14:useLocalDpi xmlns:a14="http://schemas.microsoft.com/office/drawing/2010/main" val="0"/>
+              </a:ext>
+            </a:extLst>
+          </a:blip>
+          <a:srcRect/>
+          <a:stretch>
+            <a:fillRect/>
+          </a:stretch>
+        </p:blipFill>
+        <p:spPr bwMode="auto">
+          <a:xfrm>
+            <a:off x="6669928" y="2336103"/>
+            <a:ext cx="4655297" cy="3331271"/>
+          </a:xfrm>
+          <a:prstGeom prst="rect">
+            <a:avLst/>
+          </a:prstGeom>
+          <a:noFill/>
+          <a:extLst>
+            <a:ext uri="{909E8E84-426E-40DD-AFC4-6F175D3DCCD1}">
+              <a14:hiddenFill xmlns:a14="http://schemas.microsoft.com/office/drawing/2010/main">
+                <a:solidFill>
+                  <a:srgbClr val="FFFFFF"/>
+                </a:solidFill>
+              </a14:hiddenFill>
+            </a:ext>
+          </a:extLst>
+        </p:spPr>
+      </p:pic>
+    </p:spTree>
+    <p:extLst>
+      <p:ext uri="{BB962C8B-B14F-4D97-AF65-F5344CB8AC3E}">
+        <p14:creationId xmlns:p14="http://schemas.microsoft.com/office/powerpoint/2010/main" val="1809859275"/>
+      </p:ext>
+    </p:extLst>
+  </p:cSld>
+  <p:clrMapOvr>
+    <a:masterClrMapping/>
+  </p:clrMapOvr>
+</p:sld>
+</file>
+
+<file path=ppt/slides/slide7.xml><?xml version="1.0" encoding="utf-8"?>
+<p:sld xmlns:a="http://schemas.openxmlformats.org/drawingml/2006/main" xmlns:r="http://schemas.openxmlformats.org/officeDocument/2006/relationships" xmlns:p="http://schemas.openxmlformats.org/presentationml/2006/main">
+  <p:cSld>
+    <p:spTree>
+      <p:nvGrpSpPr>
+        <p:cNvPr id="1" name=""/>
+        <p:cNvGrpSpPr/>
+        <p:nvPr/>
+      </p:nvGrpSpPr>
+      <p:grpSpPr>
+        <a:xfrm>
+          <a:off x="0" y="0"/>
+          <a:ext cx="0" cy="0"/>
+          <a:chOff x="0" y="0"/>
+          <a:chExt cx="0" cy="0"/>
+        </a:xfrm>
+      </p:grpSpPr>
+      <p:sp>
+        <p:nvSpPr>
+          <p:cNvPr id="2" name="Título 1">
+            <a:extLst>
+              <a:ext uri="{FF2B5EF4-FFF2-40B4-BE49-F238E27FC236}">
+                <a16:creationId xmlns:a16="http://schemas.microsoft.com/office/drawing/2014/main" id="{BB5CC77D-E456-481F-92C0-F169FE2821B3}"/>
+              </a:ext>
+            </a:extLst>
+          </p:cNvPr>
+          <p:cNvSpPr>
+            <a:spLocks noGrp="1"/>
+          </p:cNvSpPr>
+          <p:nvPr>
+            <p:ph type="title"/>
+          </p:nvPr>
+        </p:nvSpPr>
+        <p:spPr/>
+        <p:txBody>
+          <a:bodyPr/>
+          <a:lstStyle/>
+          <a:p>
+            <a:r>
+              <a:rPr lang="es-MX" b="1" dirty="0"/>
+              <a:t>Grafico circular</a:t>
+            </a:r>
+            <a:endParaRPr lang="es-PE" b="1" dirty="0"/>
+          </a:p>
+        </p:txBody>
+      </p:sp>
+      <p:sp>
+        <p:nvSpPr>
+          <p:cNvPr id="4" name="Marcador de contenido 3">
+            <a:extLst>
+              <a:ext uri="{FF2B5EF4-FFF2-40B4-BE49-F238E27FC236}">
+                <a16:creationId xmlns:a16="http://schemas.microsoft.com/office/drawing/2014/main" id="{B5A56B6F-C87C-4DAE-B193-1ABF6B521388}"/>
+              </a:ext>
+            </a:extLst>
+          </p:cNvPr>
+          <p:cNvSpPr>
+            <a:spLocks noGrp="1"/>
+          </p:cNvSpPr>
+          <p:nvPr>
+            <p:ph sz="half" idx="1"/>
+          </p:nvPr>
+        </p:nvSpPr>
+        <p:spPr/>
+        <p:txBody>
+          <a:bodyPr/>
+          <a:lstStyle/>
+          <a:p>
+            <a:r>
+              <a:rPr lang="es-MX" dirty="0"/>
+              <a:t>Este es un gráfico circular que se divide en segmentos, es decir, sectores de pastel, básicamente se usa para mostrar el porcentaje o los datos proporcionales en los que cada porción del pastel representa una categoría.</a:t>
+            </a:r>
+            <a:endParaRPr lang="es-PE" dirty="0"/>
+          </a:p>
+        </p:txBody>
+      </p:sp>
+      <p:pic>
+        <p:nvPicPr>
+          <p:cNvPr id="3" name="Picture 2" descr="Introducción-a-MAtplotlib-parte-2-6">
+            <a:extLst>
+              <a:ext uri="{FF2B5EF4-FFF2-40B4-BE49-F238E27FC236}">
+                <a16:creationId xmlns:a16="http://schemas.microsoft.com/office/drawing/2014/main" id="{028AD503-A390-4652-A950-2B0383084171}"/>
+              </a:ext>
+            </a:extLst>
+          </p:cNvPr>
+          <p:cNvPicPr>
+            <a:picLocks noChangeAspect="1" noChangeArrowheads="1"/>
+          </p:cNvPicPr>
+          <p:nvPr/>
+        </p:nvPicPr>
+        <p:blipFill>
+          <a:blip r:embed="rId2">
+            <a:extLst>
+              <a:ext uri="{28A0092B-C50C-407E-A947-70E740481C1C}">
+                <a14:useLocalDpi xmlns:a14="http://schemas.microsoft.com/office/drawing/2010/main" val="0"/>
+              </a:ext>
+            </a:extLst>
+          </a:blip>
+          <a:srcRect/>
+          <a:stretch>
+            <a:fillRect/>
+          </a:stretch>
+        </p:blipFill>
+        <p:spPr bwMode="auto">
+          <a:xfrm>
+            <a:off x="6357723" y="2541611"/>
+            <a:ext cx="5167528" cy="3032895"/>
+          </a:xfrm>
+          <a:prstGeom prst="rect">
+            <a:avLst/>
+          </a:prstGeom>
+          <a:noFill/>
+          <a:extLst>
+            <a:ext uri="{909E8E84-426E-40DD-AFC4-6F175D3DCCD1}">
+              <a14:hiddenFill xmlns:a14="http://schemas.microsoft.com/office/drawing/2010/main">
+                <a:solidFill>
+                  <a:srgbClr val="FFFFFF"/>
+                </a:solidFill>
+              </a14:hiddenFill>
+            </a:ext>
+          </a:extLst>
+        </p:spPr>
+      </p:pic>
+    </p:spTree>
+    <p:extLst>
+      <p:ext uri="{BB962C8B-B14F-4D97-AF65-F5344CB8AC3E}">
+        <p14:creationId xmlns:p14="http://schemas.microsoft.com/office/powerpoint/2010/main" val="2999480740"/>
+      </p:ext>
+    </p:extLst>
+  </p:cSld>
+  <p:clrMapOvr>
+    <a:masterClrMapping/>
+  </p:clrMapOvr>
+</p:sld>
+</file>
+
+<file path=ppt/slides/slide8.xml><?xml version="1.0" encoding="utf-8"?>
+<p:sld xmlns:a="http://schemas.openxmlformats.org/drawingml/2006/main" xmlns:r="http://schemas.openxmlformats.org/officeDocument/2006/relationships" xmlns:p="http://schemas.openxmlformats.org/presentationml/2006/main">
+  <p:cSld>
+    <p:spTree>
+      <p:nvGrpSpPr>
+        <p:cNvPr id="1" name=""/>
+        <p:cNvGrpSpPr/>
+        <p:nvPr/>
+      </p:nvGrpSpPr>
+      <p:grpSpPr>
+        <a:xfrm>
+          <a:off x="0" y="0"/>
+          <a:ext cx="0" cy="0"/>
+          <a:chOff x="0" y="0"/>
+          <a:chExt cx="0" cy="0"/>
+        </a:xfrm>
+      </p:grpSpPr>
+      <p:sp>
+        <p:nvSpPr>
+          <p:cNvPr id="2" name="Título 1">
+            <a:extLst>
+              <a:ext uri="{FF2B5EF4-FFF2-40B4-BE49-F238E27FC236}">
+                <a16:creationId xmlns:a16="http://schemas.microsoft.com/office/drawing/2014/main" id="{BB5CC77D-E456-481F-92C0-F169FE2821B3}"/>
+              </a:ext>
+            </a:extLst>
+          </p:cNvPr>
+          <p:cNvSpPr>
+            <a:spLocks noGrp="1"/>
+          </p:cNvSpPr>
+          <p:nvPr>
+            <p:ph type="title"/>
+          </p:nvPr>
+        </p:nvSpPr>
+        <p:spPr/>
+        <p:txBody>
+          <a:bodyPr/>
+          <a:lstStyle/>
+          <a:p>
+            <a:r>
+              <a:rPr lang="es-MX" b="1" dirty="0"/>
+              <a:t>Grafico de dispersión</a:t>
+            </a:r>
+            <a:endParaRPr lang="es-PE" b="1" dirty="0"/>
+          </a:p>
+        </p:txBody>
+      </p:sp>
+      <p:sp>
+        <p:nvSpPr>
+          <p:cNvPr id="4" name="Marcador de contenido 3">
+            <a:extLst>
+              <a:ext uri="{FF2B5EF4-FFF2-40B4-BE49-F238E27FC236}">
+                <a16:creationId xmlns:a16="http://schemas.microsoft.com/office/drawing/2014/main" id="{B5A56B6F-C87C-4DAE-B193-1ABF6B521388}"/>
+              </a:ext>
+            </a:extLst>
+          </p:cNvPr>
+          <p:cNvSpPr>
+            <a:spLocks noGrp="1"/>
+          </p:cNvSpPr>
+          <p:nvPr>
+            <p:ph sz="half" idx="1"/>
+          </p:nvPr>
+        </p:nvSpPr>
+        <p:spPr/>
+        <p:txBody>
+          <a:bodyPr/>
+          <a:lstStyle/>
+          <a:p>
+            <a:r>
+              <a:rPr lang="es-MX" dirty="0"/>
+              <a:t>Los gráficos de dispersión se utilizaron para comparar variables, por ejemplo, cuánto una variable se ve afectada por otra variable y de esta forma se construye una relación a partir de ella. En esta gráfica los datos se muestran como una colección de puntos, cada uno con el valor de una variable que determina la posición en el eje horizontal y el valor de otra variable determina la posición en el eje vertical.</a:t>
+            </a:r>
+            <a:endParaRPr lang="es-PE" dirty="0"/>
+          </a:p>
+        </p:txBody>
+      </p:sp>
+      <p:pic>
+        <p:nvPicPr>
+          <p:cNvPr id="2050" name="Picture 2" descr="Introducción-a-MAtplotlib-parte-2-5">
+            <a:extLst>
+              <a:ext uri="{FF2B5EF4-FFF2-40B4-BE49-F238E27FC236}">
+                <a16:creationId xmlns:a16="http://schemas.microsoft.com/office/drawing/2014/main" id="{411AE7B4-C5AE-49D0-901D-EE9CAA23E44D}"/>
+              </a:ext>
+            </a:extLst>
+          </p:cNvPr>
+          <p:cNvPicPr>
+            <a:picLocks noChangeAspect="1" noChangeArrowheads="1"/>
+          </p:cNvPicPr>
+          <p:nvPr/>
+        </p:nvPicPr>
+        <p:blipFill>
+          <a:blip r:embed="rId2">
+            <a:extLst>
+              <a:ext uri="{28A0092B-C50C-407E-A947-70E740481C1C}">
+                <a14:useLocalDpi xmlns:a14="http://schemas.microsoft.com/office/drawing/2010/main" val="0"/>
+              </a:ext>
+            </a:extLst>
+          </a:blip>
+          <a:srcRect/>
+          <a:stretch>
+            <a:fillRect/>
+          </a:stretch>
+        </p:blipFill>
+        <p:spPr bwMode="auto">
+          <a:xfrm>
+            <a:off x="6934200" y="2460853"/>
+            <a:ext cx="4543425" cy="3225571"/>
+          </a:xfrm>
+          <a:prstGeom prst="rect">
+            <a:avLst/>
+          </a:prstGeom>
+          <a:noFill/>
+          <a:extLst>
+            <a:ext uri="{909E8E84-426E-40DD-AFC4-6F175D3DCCD1}">
+              <a14:hiddenFill xmlns:a14="http://schemas.microsoft.com/office/drawing/2010/main">
+                <a:solidFill>
+                  <a:srgbClr val="FFFFFF"/>
+                </a:solidFill>
+              </a14:hiddenFill>
+            </a:ext>
+          </a:extLst>
+        </p:spPr>
+      </p:pic>
+    </p:spTree>
+    <p:extLst>
+      <p:ext uri="{BB962C8B-B14F-4D97-AF65-F5344CB8AC3E}">
+        <p14:creationId xmlns:p14="http://schemas.microsoft.com/office/powerpoint/2010/main" val="2901231001"/>
+      </p:ext>
+    </p:extLst>
+  </p:cSld>
+  <p:clrMapOvr>
+    <a:masterClrMapping/>
+  </p:clrMapOvr>
+</p:sld>
+</file>
+
 <file path=ppt/theme/theme1.xml><?xml version="1.0" encoding="utf-8"?>
 <a:theme xmlns:a="http://schemas.openxmlformats.org/drawingml/2006/main" name="Con bandas">
   <a:themeElements>

--- a/MATPLOTLIB_INTRODUCCION.pptx
+++ b/MATPLOTLIB_INTRODUCCION.pptx
@@ -4307,7 +4307,7 @@
           <a:p>
             <a:r>
               <a:rPr lang="es-MX" b="1" dirty="0"/>
-              <a:t>grafico de barras</a:t>
+              <a:t>DIAGRAMA  de barras</a:t>
             </a:r>
             <a:endParaRPr lang="es-PE" b="1" dirty="0"/>
           </a:p>
@@ -4334,6 +4334,7 @@
           <a:bodyPr/>
           <a:lstStyle/>
           <a:p>
+            <a:pPr algn="just"/>
             <a:r>
               <a:rPr lang="es-MX" dirty="0"/>
               <a:t>Los gráficos de barras se usan para comparar datos entre diferentes categorías, estos se pueden representar horizontal o verticalmente. Veamos cómo podemos implementar este tipo de gráficos en </a:t>
@@ -4450,7 +4451,7 @@
           <a:p>
             <a:r>
               <a:rPr lang="es-MX" b="1" dirty="0"/>
-              <a:t>Grafico circular</a:t>
+              <a:t>Diagrama de sectores</a:t>
             </a:r>
             <a:endParaRPr lang="es-PE" b="1" dirty="0"/>
           </a:p>
@@ -4477,11 +4478,32 @@
           <a:bodyPr/>
           <a:lstStyle/>
           <a:p>
+            <a:pPr algn="just"/>
             <a:r>
               <a:rPr lang="es-MX" dirty="0"/>
               <a:t>Este es un gráfico circular que se divide en segmentos, es decir, sectores de pastel, básicamente se usa para mostrar el porcentaje o los datos proporcionales en los que cada porción del pastel representa una categoría.</a:t>
             </a:r>
-            <a:endParaRPr lang="es-PE" dirty="0"/>
+          </a:p>
+          <a:p>
+            <a:pPr>
+              <a:buFont typeface="Wingdings" panose="05000000000000000000" pitchFamily="2" charset="2"/>
+              <a:buChar char="Ø"/>
+            </a:pPr>
+            <a:r>
+              <a:rPr lang="es-PE" dirty="0"/>
+              <a:t>Grafico circular </a:t>
+            </a:r>
+          </a:p>
+          <a:p>
+            <a:pPr>
+              <a:buFont typeface="Wingdings" panose="05000000000000000000" pitchFamily="2" charset="2"/>
+              <a:buChar char="Ø"/>
+            </a:pPr>
+            <a:r>
+              <a:rPr lang="es-PE" dirty="0"/>
+              <a:t>Grafico de pie</a:t>
+            </a:r>
+            <a:endParaRPr lang="es-MX" dirty="0"/>
           </a:p>
         </p:txBody>
       </p:sp>
@@ -4585,7 +4607,7 @@
           <a:p>
             <a:r>
               <a:rPr lang="es-MX" b="1" dirty="0"/>
-              <a:t>Grafico de dispersión</a:t>
+              <a:t>diagrama de dispersión</a:t>
             </a:r>
             <a:endParaRPr lang="es-PE" b="1" dirty="0"/>
           </a:p>
@@ -4612,9 +4634,20 @@
           <a:bodyPr/>
           <a:lstStyle/>
           <a:p>
+            <a:pPr algn="just"/>
             <a:r>
               <a:rPr lang="es-MX" dirty="0"/>
               <a:t>Los gráficos de dispersión se utilizaron para comparar variables, por ejemplo, cuánto una variable se ve afectada por otra variable y de esta forma se construye una relación a partir de ella. En esta gráfica los datos se muestran como una colección de puntos, cada uno con el valor de una variable que determina la posición en el eje horizontal y el valor de otra variable determina la posición en el eje vertical.</a:t>
+            </a:r>
+          </a:p>
+          <a:p>
+            <a:pPr>
+              <a:buFont typeface="Wingdings" panose="05000000000000000000" pitchFamily="2" charset="2"/>
+              <a:buChar char="Ø"/>
+            </a:pPr>
+            <a:r>
+              <a:rPr lang="es-MX" dirty="0"/>
+              <a:t> Diagrama de puntos </a:t>
             </a:r>
             <a:endParaRPr lang="es-PE" dirty="0"/>
           </a:p>

--- a/MATPLOTLIB_INTRODUCCION.pptx
+++ b/MATPLOTLIB_INTRODUCCION.pptx
@@ -13,6 +13,7 @@
     <p:sldId id="261" r:id="rId7"/>
     <p:sldId id="263" r:id="rId8"/>
     <p:sldId id="262" r:id="rId9"/>
+    <p:sldId id="264" r:id="rId10"/>
   </p:sldIdLst>
   <p:sldSz cx="12192000" cy="6858000"/>
   <p:notesSz cx="6858000" cy="9144000"/>
@@ -295,7 +296,7 @@
           <a:p>
             <a:fld id="{D47221B9-5A14-4495-9DCF-3C5634D30F03}" type="datetimeFigureOut">
               <a:rPr lang="es-PE" smtClean="0"/>
-              <a:t>19/03/2023</a:t>
+              <a:t>21/03/2023</a:t>
             </a:fld>
             <a:endParaRPr lang="es-PE"/>
           </a:p>
@@ -465,7 +466,7 @@
           <a:p>
             <a:fld id="{D47221B9-5A14-4495-9DCF-3C5634D30F03}" type="datetimeFigureOut">
               <a:rPr lang="es-PE" smtClean="0"/>
-              <a:t>19/03/2023</a:t>
+              <a:t>21/03/2023</a:t>
             </a:fld>
             <a:endParaRPr lang="es-PE"/>
           </a:p>
@@ -688,7 +689,7 @@
           <a:p>
             <a:fld id="{D47221B9-5A14-4495-9DCF-3C5634D30F03}" type="datetimeFigureOut">
               <a:rPr lang="es-PE" smtClean="0"/>
-              <a:t>19/03/2023</a:t>
+              <a:t>21/03/2023</a:t>
             </a:fld>
             <a:endParaRPr lang="es-PE"/>
           </a:p>
@@ -868,7 +869,7 @@
           <a:p>
             <a:fld id="{D47221B9-5A14-4495-9DCF-3C5634D30F03}" type="datetimeFigureOut">
               <a:rPr lang="es-PE" smtClean="0"/>
-              <a:t>19/03/2023</a:t>
+              <a:t>21/03/2023</a:t>
             </a:fld>
             <a:endParaRPr lang="es-PE"/>
           </a:p>
@@ -1174,7 +1175,7 @@
           <a:p>
             <a:fld id="{D47221B9-5A14-4495-9DCF-3C5634D30F03}" type="datetimeFigureOut">
               <a:rPr lang="es-PE" smtClean="0"/>
-              <a:t>19/03/2023</a:t>
+              <a:t>21/03/2023</a:t>
             </a:fld>
             <a:endParaRPr lang="es-PE"/>
           </a:p>
@@ -1478,7 +1479,7 @@
           <a:p>
             <a:fld id="{D47221B9-5A14-4495-9DCF-3C5634D30F03}" type="datetimeFigureOut">
               <a:rPr lang="es-PE" smtClean="0"/>
-              <a:t>19/03/2023</a:t>
+              <a:t>21/03/2023</a:t>
             </a:fld>
             <a:endParaRPr lang="es-PE"/>
           </a:p>
@@ -1900,7 +1901,7 @@
           <a:p>
             <a:fld id="{D47221B9-5A14-4495-9DCF-3C5634D30F03}" type="datetimeFigureOut">
               <a:rPr lang="es-PE" smtClean="0"/>
-              <a:t>19/03/2023</a:t>
+              <a:t>21/03/2023</a:t>
             </a:fld>
             <a:endParaRPr lang="es-PE"/>
           </a:p>
@@ -2018,7 +2019,7 @@
           <a:p>
             <a:fld id="{D47221B9-5A14-4495-9DCF-3C5634D30F03}" type="datetimeFigureOut">
               <a:rPr lang="es-PE" smtClean="0"/>
-              <a:t>19/03/2023</a:t>
+              <a:t>21/03/2023</a:t>
             </a:fld>
             <a:endParaRPr lang="es-PE"/>
           </a:p>
@@ -2113,7 +2114,7 @@
           <a:p>
             <a:fld id="{D47221B9-5A14-4495-9DCF-3C5634D30F03}" type="datetimeFigureOut">
               <a:rPr lang="es-PE" smtClean="0"/>
-              <a:t>19/03/2023</a:t>
+              <a:t>21/03/2023</a:t>
             </a:fld>
             <a:endParaRPr lang="es-PE"/>
           </a:p>
@@ -2386,7 +2387,7 @@
           <a:p>
             <a:fld id="{D47221B9-5A14-4495-9DCF-3C5634D30F03}" type="datetimeFigureOut">
               <a:rPr lang="es-PE" smtClean="0"/>
-              <a:t>19/03/2023</a:t>
+              <a:t>21/03/2023</a:t>
             </a:fld>
             <a:endParaRPr lang="es-PE"/>
           </a:p>
@@ -2651,7 +2652,7 @@
           <a:p>
             <a:fld id="{D47221B9-5A14-4495-9DCF-3C5634D30F03}" type="datetimeFigureOut">
               <a:rPr lang="es-PE" smtClean="0"/>
-              <a:t>19/03/2023</a:t>
+              <a:t>21/03/2023</a:t>
             </a:fld>
             <a:endParaRPr lang="es-PE"/>
           </a:p>
@@ -2900,7 +2901,7 @@
           <a:p>
             <a:fld id="{D47221B9-5A14-4495-9DCF-3C5634D30F03}" type="datetimeFigureOut">
               <a:rPr lang="es-PE" smtClean="0"/>
-              <a:t>19/03/2023</a:t>
+              <a:t>21/03/2023</a:t>
             </a:fld>
             <a:endParaRPr lang="es-PE"/>
           </a:p>
@@ -4713,6 +4714,142 @@
 </p:sld>
 </file>
 
+<file path=ppt/slides/slide9.xml><?xml version="1.0" encoding="utf-8"?>
+<p:sld xmlns:a="http://schemas.openxmlformats.org/drawingml/2006/main" xmlns:r="http://schemas.openxmlformats.org/officeDocument/2006/relationships" xmlns:p="http://schemas.openxmlformats.org/presentationml/2006/main">
+  <p:cSld>
+    <p:spTree>
+      <p:nvGrpSpPr>
+        <p:cNvPr id="1" name=""/>
+        <p:cNvGrpSpPr/>
+        <p:nvPr/>
+      </p:nvGrpSpPr>
+      <p:grpSpPr>
+        <a:xfrm>
+          <a:off x="0" y="0"/>
+          <a:ext cx="0" cy="0"/>
+          <a:chOff x="0" y="0"/>
+          <a:chExt cx="0" cy="0"/>
+        </a:xfrm>
+      </p:grpSpPr>
+      <p:sp>
+        <p:nvSpPr>
+          <p:cNvPr id="2" name="Título 1">
+            <a:extLst>
+              <a:ext uri="{FF2B5EF4-FFF2-40B4-BE49-F238E27FC236}">
+                <a16:creationId xmlns:a16="http://schemas.microsoft.com/office/drawing/2014/main" id="{BB5CC77D-E456-481F-92C0-F169FE2821B3}"/>
+              </a:ext>
+            </a:extLst>
+          </p:cNvPr>
+          <p:cNvSpPr>
+            <a:spLocks noGrp="1"/>
+          </p:cNvSpPr>
+          <p:nvPr>
+            <p:ph type="title"/>
+          </p:nvPr>
+        </p:nvSpPr>
+        <p:spPr/>
+        <p:txBody>
+          <a:bodyPr/>
+          <a:lstStyle/>
+          <a:p>
+            <a:r>
+              <a:rPr lang="es-MX" b="1" dirty="0"/>
+              <a:t>diagrama de áreas</a:t>
+            </a:r>
+            <a:endParaRPr lang="es-PE" b="1" dirty="0"/>
+          </a:p>
+        </p:txBody>
+      </p:sp>
+      <p:sp>
+        <p:nvSpPr>
+          <p:cNvPr id="4" name="Marcador de contenido 3">
+            <a:extLst>
+              <a:ext uri="{FF2B5EF4-FFF2-40B4-BE49-F238E27FC236}">
+                <a16:creationId xmlns:a16="http://schemas.microsoft.com/office/drawing/2014/main" id="{B5A56B6F-C87C-4DAE-B193-1ABF6B521388}"/>
+              </a:ext>
+            </a:extLst>
+          </p:cNvPr>
+          <p:cNvSpPr>
+            <a:spLocks noGrp="1"/>
+          </p:cNvSpPr>
+          <p:nvPr>
+            <p:ph sz="half" idx="1"/>
+          </p:nvPr>
+        </p:nvSpPr>
+        <p:spPr/>
+        <p:txBody>
+          <a:bodyPr/>
+          <a:lstStyle/>
+          <a:p>
+            <a:pPr algn="just"/>
+            <a:r>
+              <a:rPr lang="es-MX" dirty="0"/>
+              <a:t>Básicamente se realiza un diagrama marcando una línea con el limite superior y se sombrea todo el área debajo de ella.</a:t>
+            </a:r>
+            <a:endParaRPr lang="es-PE" dirty="0"/>
+          </a:p>
+        </p:txBody>
+      </p:sp>
+      <p:pic>
+        <p:nvPicPr>
+          <p:cNvPr id="1026" name="Picture 2" descr="Gráfico con matplotlib">
+            <a:extLst>
+              <a:ext uri="{FF2B5EF4-FFF2-40B4-BE49-F238E27FC236}">
+                <a16:creationId xmlns:a16="http://schemas.microsoft.com/office/drawing/2014/main" id="{66C5983A-772A-4017-917F-882406996E9B}"/>
+              </a:ext>
+            </a:extLst>
+          </p:cNvPr>
+          <p:cNvPicPr>
+            <a:picLocks noChangeAspect="1" noChangeArrowheads="1"/>
+          </p:cNvPicPr>
+          <p:nvPr/>
+        </p:nvPicPr>
+        <p:blipFill>
+          <a:blip r:embed="rId2">
+            <a:extLst>
+              <a:ext uri="{28A0092B-C50C-407E-A947-70E740481C1C}">
+                <a14:useLocalDpi xmlns:a14="http://schemas.microsoft.com/office/drawing/2010/main" val="0"/>
+              </a:ext>
+            </a:extLst>
+          </a:blip>
+          <a:srcRect/>
+          <a:stretch>
+            <a:fillRect/>
+          </a:stretch>
+        </p:blipFill>
+        <p:spPr bwMode="auto">
+          <a:xfrm>
+            <a:off x="6789418" y="2215513"/>
+            <a:ext cx="4754881" cy="3566161"/>
+          </a:xfrm>
+          <a:prstGeom prst="rect">
+            <a:avLst/>
+          </a:prstGeom>
+          <a:noFill/>
+          <a:extLst>
+            <a:ext uri="{909E8E84-426E-40DD-AFC4-6F175D3DCCD1}">
+              <a14:hiddenFill xmlns:a14="http://schemas.microsoft.com/office/drawing/2010/main">
+                <a:solidFill>
+                  <a:srgbClr val="FFFFFF"/>
+                </a:solidFill>
+              </a14:hiddenFill>
+            </a:ext>
+          </a:extLst>
+        </p:spPr>
+      </p:pic>
+    </p:spTree>
+    <p:extLst>
+      <p:ext uri="{BB962C8B-B14F-4D97-AF65-F5344CB8AC3E}">
+        <p14:creationId xmlns:p14="http://schemas.microsoft.com/office/powerpoint/2010/main" val="3656497799"/>
+      </p:ext>
+    </p:extLst>
+  </p:cSld>
+  <p:clrMapOvr>
+    <a:masterClrMapping/>
+  </p:clrMapOvr>
+</p:sld>
+</file>
+
 <file path=ppt/theme/theme1.xml><?xml version="1.0" encoding="utf-8"?>
 <a:theme xmlns:a="http://schemas.openxmlformats.org/drawingml/2006/main" name="Con bandas">
   <a:themeElements>

--- a/MATPLOTLIB_INTRODUCCION.pptx
+++ b/MATPLOTLIB_INTRODUCCION.pptx
@@ -14,6 +14,11 @@
     <p:sldId id="263" r:id="rId8"/>
     <p:sldId id="262" r:id="rId9"/>
     <p:sldId id="264" r:id="rId10"/>
+    <p:sldId id="265" r:id="rId11"/>
+    <p:sldId id="266" r:id="rId12"/>
+    <p:sldId id="268" r:id="rId13"/>
+    <p:sldId id="269" r:id="rId14"/>
+    <p:sldId id="270" r:id="rId15"/>
   </p:sldIdLst>
   <p:sldSz cx="12192000" cy="6858000"/>
   <p:notesSz cx="6858000" cy="9144000"/>
@@ -296,7 +301,7 @@
           <a:p>
             <a:fld id="{D47221B9-5A14-4495-9DCF-3C5634D30F03}" type="datetimeFigureOut">
               <a:rPr lang="es-PE" smtClean="0"/>
-              <a:t>21/03/2023</a:t>
+              <a:t>10/04/2023</a:t>
             </a:fld>
             <a:endParaRPr lang="es-PE"/>
           </a:p>
@@ -466,7 +471,7 @@
           <a:p>
             <a:fld id="{D47221B9-5A14-4495-9DCF-3C5634D30F03}" type="datetimeFigureOut">
               <a:rPr lang="es-PE" smtClean="0"/>
-              <a:t>21/03/2023</a:t>
+              <a:t>10/04/2023</a:t>
             </a:fld>
             <a:endParaRPr lang="es-PE"/>
           </a:p>
@@ -689,7 +694,7 @@
           <a:p>
             <a:fld id="{D47221B9-5A14-4495-9DCF-3C5634D30F03}" type="datetimeFigureOut">
               <a:rPr lang="es-PE" smtClean="0"/>
-              <a:t>21/03/2023</a:t>
+              <a:t>10/04/2023</a:t>
             </a:fld>
             <a:endParaRPr lang="es-PE"/>
           </a:p>
@@ -869,7 +874,7 @@
           <a:p>
             <a:fld id="{D47221B9-5A14-4495-9DCF-3C5634D30F03}" type="datetimeFigureOut">
               <a:rPr lang="es-PE" smtClean="0"/>
-              <a:t>21/03/2023</a:t>
+              <a:t>10/04/2023</a:t>
             </a:fld>
             <a:endParaRPr lang="es-PE"/>
           </a:p>
@@ -1175,7 +1180,7 @@
           <a:p>
             <a:fld id="{D47221B9-5A14-4495-9DCF-3C5634D30F03}" type="datetimeFigureOut">
               <a:rPr lang="es-PE" smtClean="0"/>
-              <a:t>21/03/2023</a:t>
+              <a:t>10/04/2023</a:t>
             </a:fld>
             <a:endParaRPr lang="es-PE"/>
           </a:p>
@@ -1479,7 +1484,7 @@
           <a:p>
             <a:fld id="{D47221B9-5A14-4495-9DCF-3C5634D30F03}" type="datetimeFigureOut">
               <a:rPr lang="es-PE" smtClean="0"/>
-              <a:t>21/03/2023</a:t>
+              <a:t>10/04/2023</a:t>
             </a:fld>
             <a:endParaRPr lang="es-PE"/>
           </a:p>
@@ -1901,7 +1906,7 @@
           <a:p>
             <a:fld id="{D47221B9-5A14-4495-9DCF-3C5634D30F03}" type="datetimeFigureOut">
               <a:rPr lang="es-PE" smtClean="0"/>
-              <a:t>21/03/2023</a:t>
+              <a:t>10/04/2023</a:t>
             </a:fld>
             <a:endParaRPr lang="es-PE"/>
           </a:p>
@@ -2019,7 +2024,7 @@
           <a:p>
             <a:fld id="{D47221B9-5A14-4495-9DCF-3C5634D30F03}" type="datetimeFigureOut">
               <a:rPr lang="es-PE" smtClean="0"/>
-              <a:t>21/03/2023</a:t>
+              <a:t>10/04/2023</a:t>
             </a:fld>
             <a:endParaRPr lang="es-PE"/>
           </a:p>
@@ -2114,7 +2119,7 @@
           <a:p>
             <a:fld id="{D47221B9-5A14-4495-9DCF-3C5634D30F03}" type="datetimeFigureOut">
               <a:rPr lang="es-PE" smtClean="0"/>
-              <a:t>21/03/2023</a:t>
+              <a:t>10/04/2023</a:t>
             </a:fld>
             <a:endParaRPr lang="es-PE"/>
           </a:p>
@@ -2387,7 +2392,7 @@
           <a:p>
             <a:fld id="{D47221B9-5A14-4495-9DCF-3C5634D30F03}" type="datetimeFigureOut">
               <a:rPr lang="es-PE" smtClean="0"/>
-              <a:t>21/03/2023</a:t>
+              <a:t>10/04/2023</a:t>
             </a:fld>
             <a:endParaRPr lang="es-PE"/>
           </a:p>
@@ -2652,7 +2657,7 @@
           <a:p>
             <a:fld id="{D47221B9-5A14-4495-9DCF-3C5634D30F03}" type="datetimeFigureOut">
               <a:rPr lang="es-PE" smtClean="0"/>
-              <a:t>21/03/2023</a:t>
+              <a:t>10/04/2023</a:t>
             </a:fld>
             <a:endParaRPr lang="es-PE"/>
           </a:p>
@@ -2901,7 +2906,7 @@
           <a:p>
             <a:fld id="{D47221B9-5A14-4495-9DCF-3C5634D30F03}" type="datetimeFigureOut">
               <a:rPr lang="es-PE" smtClean="0"/>
-              <a:t>21/03/2023</a:t>
+              <a:t>10/04/2023</a:t>
             </a:fld>
             <a:endParaRPr lang="es-PE"/>
           </a:p>
@@ -3533,6 +3538,743 @@
 </p:sld>
 </file>
 
+<file path=ppt/slides/slide10.xml><?xml version="1.0" encoding="utf-8"?>
+<p:sld xmlns:a="http://schemas.openxmlformats.org/drawingml/2006/main" xmlns:r="http://schemas.openxmlformats.org/officeDocument/2006/relationships" xmlns:p="http://schemas.openxmlformats.org/presentationml/2006/main">
+  <p:cSld>
+    <p:spTree>
+      <p:nvGrpSpPr>
+        <p:cNvPr id="1" name=""/>
+        <p:cNvGrpSpPr/>
+        <p:nvPr/>
+      </p:nvGrpSpPr>
+      <p:grpSpPr>
+        <a:xfrm>
+          <a:off x="0" y="0"/>
+          <a:ext cx="0" cy="0"/>
+          <a:chOff x="0" y="0"/>
+          <a:chExt cx="0" cy="0"/>
+        </a:xfrm>
+      </p:grpSpPr>
+      <p:sp>
+        <p:nvSpPr>
+          <p:cNvPr id="2" name="Título 1">
+            <a:extLst>
+              <a:ext uri="{FF2B5EF4-FFF2-40B4-BE49-F238E27FC236}">
+                <a16:creationId xmlns:a16="http://schemas.microsoft.com/office/drawing/2014/main" id="{A6E68CDF-4EA1-41BF-A891-C46F09806708}"/>
+              </a:ext>
+            </a:extLst>
+          </p:cNvPr>
+          <p:cNvSpPr>
+            <a:spLocks noGrp="1"/>
+          </p:cNvSpPr>
+          <p:nvPr>
+            <p:ph type="ctrTitle"/>
+          </p:nvPr>
+        </p:nvSpPr>
+        <p:spPr>
+          <a:xfrm>
+            <a:off x="1371598" y="2305049"/>
+            <a:ext cx="9582150" cy="1319213"/>
+          </a:xfrm>
+        </p:spPr>
+        <p:txBody>
+          <a:bodyPr>
+            <a:noAutofit/>
+          </a:bodyPr>
+          <a:lstStyle/>
+          <a:p>
+            <a:r>
+              <a:rPr lang="es-MX" sz="6800" b="1" dirty="0"/>
+              <a:t>LIBRERÍA NUMPY</a:t>
+            </a:r>
+            <a:endParaRPr lang="es-PE" sz="6800" b="1" dirty="0"/>
+          </a:p>
+        </p:txBody>
+      </p:sp>
+      <p:sp>
+        <p:nvSpPr>
+          <p:cNvPr id="3" name="Subtítulo 2">
+            <a:extLst>
+              <a:ext uri="{FF2B5EF4-FFF2-40B4-BE49-F238E27FC236}">
+                <a16:creationId xmlns:a16="http://schemas.microsoft.com/office/drawing/2014/main" id="{B3B93AE1-BF9F-42CB-B00D-16AD25F61C54}"/>
+              </a:ext>
+            </a:extLst>
+          </p:cNvPr>
+          <p:cNvSpPr>
+            <a:spLocks noGrp="1"/>
+          </p:cNvSpPr>
+          <p:nvPr>
+            <p:ph type="subTitle" idx="1"/>
+          </p:nvPr>
+        </p:nvSpPr>
+        <p:spPr>
+          <a:xfrm>
+            <a:off x="1524000" y="5752307"/>
+            <a:ext cx="9144000" cy="474662"/>
+          </a:xfrm>
+        </p:spPr>
+        <p:txBody>
+          <a:bodyPr/>
+          <a:lstStyle/>
+          <a:p>
+            <a:r>
+              <a:rPr lang="es-MX" b="1" dirty="0"/>
+              <a:t>@eighta.dev</a:t>
+            </a:r>
+            <a:endParaRPr lang="es-PE" b="1" dirty="0"/>
+          </a:p>
+        </p:txBody>
+      </p:sp>
+      <p:pic>
+        <p:nvPicPr>
+          <p:cNvPr id="1028" name="Picture 4" descr="Matplotlib - Wikipedia, la enciclopedia libre">
+            <a:extLst>
+              <a:ext uri="{FF2B5EF4-FFF2-40B4-BE49-F238E27FC236}">
+                <a16:creationId xmlns:a16="http://schemas.microsoft.com/office/drawing/2014/main" id="{11EBDA03-1666-455E-9E6D-DC319249561D}"/>
+              </a:ext>
+            </a:extLst>
+          </p:cNvPr>
+          <p:cNvPicPr>
+            <a:picLocks noChangeAspect="1" noChangeArrowheads="1"/>
+          </p:cNvPicPr>
+          <p:nvPr/>
+        </p:nvPicPr>
+        <p:blipFill>
+          <a:blip r:embed="rId2">
+            <a:extLst>
+              <a:ext uri="{28A0092B-C50C-407E-A947-70E740481C1C}">
+                <a14:useLocalDpi xmlns:a14="http://schemas.microsoft.com/office/drawing/2010/main" val="0"/>
+              </a:ext>
+            </a:extLst>
+          </a:blip>
+          <a:srcRect/>
+          <a:stretch>
+            <a:fillRect/>
+          </a:stretch>
+        </p:blipFill>
+        <p:spPr bwMode="auto">
+          <a:xfrm>
+            <a:off x="5397698" y="410050"/>
+            <a:ext cx="1396603" cy="1396603"/>
+          </a:xfrm>
+          <a:prstGeom prst="rect">
+            <a:avLst/>
+          </a:prstGeom>
+          <a:noFill/>
+          <a:extLst>
+            <a:ext uri="{909E8E84-426E-40DD-AFC4-6F175D3DCCD1}">
+              <a14:hiddenFill xmlns:a14="http://schemas.microsoft.com/office/drawing/2010/main">
+                <a:solidFill>
+                  <a:srgbClr val="FFFFFF"/>
+                </a:solidFill>
+              </a14:hiddenFill>
+            </a:ext>
+          </a:extLst>
+        </p:spPr>
+      </p:pic>
+      <p:pic>
+        <p:nvPicPr>
+          <p:cNvPr id="4" name="Picture 4" descr="La guía definitiva del paquete NumPy para computación científica en Python">
+            <a:extLst>
+              <a:ext uri="{FF2B5EF4-FFF2-40B4-BE49-F238E27FC236}">
+                <a16:creationId xmlns:a16="http://schemas.microsoft.com/office/drawing/2014/main" id="{5100B95E-428E-4184-95AB-895479D4F186}"/>
+              </a:ext>
+            </a:extLst>
+          </p:cNvPr>
+          <p:cNvPicPr>
+            <a:picLocks noChangeAspect="1" noChangeArrowheads="1"/>
+          </p:cNvPicPr>
+          <p:nvPr/>
+        </p:nvPicPr>
+        <p:blipFill>
+          <a:blip r:embed="rId3">
+            <a:extLst>
+              <a:ext uri="{28A0092B-C50C-407E-A947-70E740481C1C}">
+                <a14:useLocalDpi xmlns:a14="http://schemas.microsoft.com/office/drawing/2010/main" val="0"/>
+              </a:ext>
+            </a:extLst>
+          </a:blip>
+          <a:srcRect/>
+          <a:stretch>
+            <a:fillRect/>
+          </a:stretch>
+        </p:blipFill>
+        <p:spPr bwMode="auto">
+          <a:xfrm>
+            <a:off x="4664943" y="4306174"/>
+            <a:ext cx="2862114" cy="1132920"/>
+          </a:xfrm>
+          <a:prstGeom prst="rect">
+            <a:avLst/>
+          </a:prstGeom>
+          <a:noFill/>
+          <a:extLst>
+            <a:ext uri="{909E8E84-426E-40DD-AFC4-6F175D3DCCD1}">
+              <a14:hiddenFill xmlns:a14="http://schemas.microsoft.com/office/drawing/2010/main">
+                <a:solidFill>
+                  <a:srgbClr val="FFFFFF"/>
+                </a:solidFill>
+              </a14:hiddenFill>
+            </a:ext>
+          </a:extLst>
+        </p:spPr>
+      </p:pic>
+    </p:spTree>
+    <p:extLst>
+      <p:ext uri="{BB962C8B-B14F-4D97-AF65-F5344CB8AC3E}">
+        <p14:creationId xmlns:p14="http://schemas.microsoft.com/office/powerpoint/2010/main" val="2376202341"/>
+      </p:ext>
+    </p:extLst>
+  </p:cSld>
+  <p:clrMapOvr>
+    <a:masterClrMapping/>
+  </p:clrMapOvr>
+</p:sld>
+</file>
+
+<file path=ppt/slides/slide11.xml><?xml version="1.0" encoding="utf-8"?>
+<p:sld xmlns:a="http://schemas.openxmlformats.org/drawingml/2006/main" xmlns:r="http://schemas.openxmlformats.org/officeDocument/2006/relationships" xmlns:p="http://schemas.openxmlformats.org/presentationml/2006/main">
+  <p:cSld>
+    <p:spTree>
+      <p:nvGrpSpPr>
+        <p:cNvPr id="1" name=""/>
+        <p:cNvGrpSpPr/>
+        <p:nvPr/>
+      </p:nvGrpSpPr>
+      <p:grpSpPr>
+        <a:xfrm>
+          <a:off x="0" y="0"/>
+          <a:ext cx="0" cy="0"/>
+          <a:chOff x="0" y="0"/>
+          <a:chExt cx="0" cy="0"/>
+        </a:xfrm>
+      </p:grpSpPr>
+      <p:sp>
+        <p:nvSpPr>
+          <p:cNvPr id="4" name="Título 3">
+            <a:extLst>
+              <a:ext uri="{FF2B5EF4-FFF2-40B4-BE49-F238E27FC236}">
+                <a16:creationId xmlns:a16="http://schemas.microsoft.com/office/drawing/2014/main" id="{22F7C54E-E9D9-4BE7-8A7B-B783A1A5532F}"/>
+              </a:ext>
+            </a:extLst>
+          </p:cNvPr>
+          <p:cNvSpPr>
+            <a:spLocks noGrp="1"/>
+          </p:cNvSpPr>
+          <p:nvPr>
+            <p:ph type="title"/>
+          </p:nvPr>
+        </p:nvSpPr>
+        <p:spPr/>
+        <p:txBody>
+          <a:bodyPr/>
+          <a:lstStyle/>
+          <a:p>
+            <a:r>
+              <a:rPr lang="es-MX" b="1" dirty="0" err="1"/>
+              <a:t>numpy</a:t>
+            </a:r>
+            <a:endParaRPr lang="es-PE" b="1" dirty="0"/>
+          </a:p>
+        </p:txBody>
+      </p:sp>
+      <p:sp>
+        <p:nvSpPr>
+          <p:cNvPr id="5" name="Marcador de contenido 4">
+            <a:extLst>
+              <a:ext uri="{FF2B5EF4-FFF2-40B4-BE49-F238E27FC236}">
+                <a16:creationId xmlns:a16="http://schemas.microsoft.com/office/drawing/2014/main" id="{F2EE82FD-029D-4F52-8CF1-B2CBE1E34EC9}"/>
+              </a:ext>
+            </a:extLst>
+          </p:cNvPr>
+          <p:cNvSpPr>
+            <a:spLocks noGrp="1"/>
+          </p:cNvSpPr>
+          <p:nvPr>
+            <p:ph sz="half" idx="1"/>
+          </p:nvPr>
+        </p:nvSpPr>
+        <p:spPr/>
+        <p:txBody>
+          <a:bodyPr>
+            <a:normAutofit/>
+          </a:bodyPr>
+          <a:lstStyle/>
+          <a:p>
+            <a:pPr marL="0" indent="0" algn="just">
+              <a:buNone/>
+            </a:pPr>
+            <a:r>
+              <a:rPr lang="es-MX" dirty="0" err="1"/>
+              <a:t>NumPy</a:t>
+            </a:r>
+            <a:r>
+              <a:rPr lang="es-MX" dirty="0"/>
+              <a:t> es un módulo de Python. El nombre es un acrónimo de Python Numérico. Es una librería que consiste en objetos de matrices multidimensionales y una colección de rutinas para procesar esas matrices.</a:t>
+            </a:r>
+          </a:p>
+          <a:p>
+            <a:pPr marL="0" indent="0" algn="just">
+              <a:buNone/>
+            </a:pPr>
+            <a:r>
+              <a:rPr lang="es-MX" dirty="0"/>
+              <a:t>Es un módulo de extensión para Python, escrito en su mayor parte en C. Esto asegura que las funciones y funcionalidades matemáticas y numéricas </a:t>
+            </a:r>
+            <a:r>
+              <a:rPr lang="es-MX" dirty="0" err="1"/>
+              <a:t>precompiladas</a:t>
+            </a:r>
+            <a:r>
+              <a:rPr lang="es-MX" dirty="0"/>
+              <a:t> de </a:t>
+            </a:r>
+            <a:r>
+              <a:rPr lang="es-MX" dirty="0" err="1"/>
+              <a:t>NumPy</a:t>
+            </a:r>
+            <a:r>
+              <a:rPr lang="es-MX" dirty="0"/>
+              <a:t> garantizan una gran velocidad de ejecución.</a:t>
+            </a:r>
+            <a:endParaRPr lang="es-PE" dirty="0"/>
+          </a:p>
+        </p:txBody>
+      </p:sp>
+      <p:pic>
+        <p:nvPicPr>
+          <p:cNvPr id="2050" name="Picture 2" descr="Numpy – Arreglos. Instalación con pip paso a paso – Fundamentos de  Programación">
+            <a:extLst>
+              <a:ext uri="{FF2B5EF4-FFF2-40B4-BE49-F238E27FC236}">
+                <a16:creationId xmlns:a16="http://schemas.microsoft.com/office/drawing/2014/main" id="{B196A753-4CCE-453B-A948-15D964B17651}"/>
+              </a:ext>
+            </a:extLst>
+          </p:cNvPr>
+          <p:cNvPicPr>
+            <a:picLocks noGrp="1" noChangeAspect="1" noChangeArrowheads="1"/>
+          </p:cNvPicPr>
+          <p:nvPr>
+            <p:ph sz="half" idx="2"/>
+          </p:nvPr>
+        </p:nvPicPr>
+        <p:blipFill>
+          <a:blip r:embed="rId2">
+            <a:extLst>
+              <a:ext uri="{28A0092B-C50C-407E-A947-70E740481C1C}">
+                <a14:useLocalDpi xmlns:a14="http://schemas.microsoft.com/office/drawing/2010/main" val="0"/>
+              </a:ext>
+            </a:extLst>
+          </a:blip>
+          <a:srcRect/>
+          <a:stretch>
+            <a:fillRect/>
+          </a:stretch>
+        </p:blipFill>
+        <p:spPr bwMode="auto">
+          <a:xfrm>
+            <a:off x="6341268" y="2011680"/>
+            <a:ext cx="5374481" cy="1276350"/>
+          </a:xfrm>
+          <a:prstGeom prst="rect">
+            <a:avLst/>
+          </a:prstGeom>
+          <a:noFill/>
+          <a:extLst>
+            <a:ext uri="{909E8E84-426E-40DD-AFC4-6F175D3DCCD1}">
+              <a14:hiddenFill xmlns:a14="http://schemas.microsoft.com/office/drawing/2010/main">
+                <a:solidFill>
+                  <a:srgbClr val="FFFFFF"/>
+                </a:solidFill>
+              </a14:hiddenFill>
+            </a:ext>
+          </a:extLst>
+        </p:spPr>
+      </p:pic>
+      <p:pic>
+        <p:nvPicPr>
+          <p:cNvPr id="8" name="Imagen 7">
+            <a:extLst>
+              <a:ext uri="{FF2B5EF4-FFF2-40B4-BE49-F238E27FC236}">
+                <a16:creationId xmlns:a16="http://schemas.microsoft.com/office/drawing/2014/main" id="{26E2174A-51D7-45B2-88BA-5EEAAA6B939B}"/>
+              </a:ext>
+            </a:extLst>
+          </p:cNvPr>
+          <p:cNvPicPr>
+            <a:picLocks noChangeAspect="1"/>
+          </p:cNvPicPr>
+          <p:nvPr/>
+        </p:nvPicPr>
+        <p:blipFill rotWithShape="1">
+          <a:blip r:embed="rId3"/>
+          <a:srcRect t="6061" r="43690"/>
+          <a:stretch/>
+        </p:blipFill>
+        <p:spPr>
+          <a:xfrm>
+            <a:off x="6936463" y="3506774"/>
+            <a:ext cx="3910013" cy="590550"/>
+          </a:xfrm>
+          <a:prstGeom prst="rect">
+            <a:avLst/>
+          </a:prstGeom>
+        </p:spPr>
+      </p:pic>
+      <p:pic>
+        <p:nvPicPr>
+          <p:cNvPr id="2052" name="Picture 4">
+            <a:extLst>
+              <a:ext uri="{FF2B5EF4-FFF2-40B4-BE49-F238E27FC236}">
+                <a16:creationId xmlns:a16="http://schemas.microsoft.com/office/drawing/2014/main" id="{028DFD92-4C2F-4AFC-B28C-AC5545702F34}"/>
+              </a:ext>
+            </a:extLst>
+          </p:cNvPr>
+          <p:cNvPicPr>
+            <a:picLocks noChangeAspect="1" noChangeArrowheads="1"/>
+          </p:cNvPicPr>
+          <p:nvPr/>
+        </p:nvPicPr>
+        <p:blipFill>
+          <a:blip r:embed="rId4">
+            <a:extLst>
+              <a:ext uri="{28A0092B-C50C-407E-A947-70E740481C1C}">
+                <a14:useLocalDpi xmlns:a14="http://schemas.microsoft.com/office/drawing/2010/main" val="0"/>
+              </a:ext>
+            </a:extLst>
+          </a:blip>
+          <a:srcRect/>
+          <a:stretch>
+            <a:fillRect/>
+          </a:stretch>
+        </p:blipFill>
+        <p:spPr bwMode="auto">
+          <a:xfrm>
+            <a:off x="9825038" y="255601"/>
+            <a:ext cx="1419225" cy="1428750"/>
+          </a:xfrm>
+          <a:prstGeom prst="rect">
+            <a:avLst/>
+          </a:prstGeom>
+          <a:noFill/>
+          <a:extLst>
+            <a:ext uri="{909E8E84-426E-40DD-AFC4-6F175D3DCCD1}">
+              <a14:hiddenFill xmlns:a14="http://schemas.microsoft.com/office/drawing/2010/main">
+                <a:solidFill>
+                  <a:srgbClr val="FFFFFF"/>
+                </a:solidFill>
+              </a14:hiddenFill>
+            </a:ext>
+          </a:extLst>
+        </p:spPr>
+      </p:pic>
+      <p:pic>
+        <p:nvPicPr>
+          <p:cNvPr id="12" name="Imagen 11">
+            <a:extLst>
+              <a:ext uri="{FF2B5EF4-FFF2-40B4-BE49-F238E27FC236}">
+                <a16:creationId xmlns:a16="http://schemas.microsoft.com/office/drawing/2014/main" id="{B3800BC3-18CB-4D5B-A656-02D6F63E41A2}"/>
+              </a:ext>
+            </a:extLst>
+          </p:cNvPr>
+          <p:cNvPicPr>
+            <a:picLocks noChangeAspect="1"/>
+          </p:cNvPicPr>
+          <p:nvPr/>
+        </p:nvPicPr>
+        <p:blipFill rotWithShape="1">
+          <a:blip r:embed="rId5"/>
+          <a:srcRect l="14902" t="49327" r="5230"/>
+          <a:stretch/>
+        </p:blipFill>
+        <p:spPr>
+          <a:xfrm>
+            <a:off x="7071120" y="4499610"/>
+            <a:ext cx="3640698" cy="2074214"/>
+          </a:xfrm>
+          <a:prstGeom prst="rect">
+            <a:avLst/>
+          </a:prstGeom>
+        </p:spPr>
+      </p:pic>
+    </p:spTree>
+    <p:extLst>
+      <p:ext uri="{BB962C8B-B14F-4D97-AF65-F5344CB8AC3E}">
+        <p14:creationId xmlns:p14="http://schemas.microsoft.com/office/powerpoint/2010/main" val="2754317814"/>
+      </p:ext>
+    </p:extLst>
+  </p:cSld>
+  <p:clrMapOvr>
+    <a:masterClrMapping/>
+  </p:clrMapOvr>
+</p:sld>
+</file>
+
+<file path=ppt/slides/slide12.xml><?xml version="1.0" encoding="utf-8"?>
+<p:sld xmlns:a="http://schemas.openxmlformats.org/drawingml/2006/main" xmlns:r="http://schemas.openxmlformats.org/officeDocument/2006/relationships" xmlns:p="http://schemas.openxmlformats.org/presentationml/2006/main">
+  <p:cSld>
+    <p:spTree>
+      <p:nvGrpSpPr>
+        <p:cNvPr id="1" name=""/>
+        <p:cNvGrpSpPr/>
+        <p:nvPr/>
+      </p:nvGrpSpPr>
+      <p:grpSpPr>
+        <a:xfrm>
+          <a:off x="0" y="0"/>
+          <a:ext cx="0" cy="0"/>
+          <a:chOff x="0" y="0"/>
+          <a:chExt cx="0" cy="0"/>
+        </a:xfrm>
+      </p:grpSpPr>
+      <p:sp>
+        <p:nvSpPr>
+          <p:cNvPr id="2" name="Título 1">
+            <a:extLst>
+              <a:ext uri="{FF2B5EF4-FFF2-40B4-BE49-F238E27FC236}">
+                <a16:creationId xmlns:a16="http://schemas.microsoft.com/office/drawing/2014/main" id="{A9C48649-234F-4967-B636-2F6948C64FC2}"/>
+              </a:ext>
+            </a:extLst>
+          </p:cNvPr>
+          <p:cNvSpPr>
+            <a:spLocks noGrp="1"/>
+          </p:cNvSpPr>
+          <p:nvPr>
+            <p:ph type="title"/>
+          </p:nvPr>
+        </p:nvSpPr>
+        <p:spPr/>
+        <p:txBody>
+          <a:bodyPr/>
+          <a:lstStyle/>
+          <a:p>
+            <a:r>
+              <a:rPr lang="es-MX" b="1" dirty="0"/>
+              <a:t>GRAFICAS TRIGONOMETRICAS</a:t>
+            </a:r>
+            <a:endParaRPr lang="es-PE" b="1" dirty="0"/>
+          </a:p>
+        </p:txBody>
+      </p:sp>
+      <p:pic>
+        <p:nvPicPr>
+          <p:cNvPr id="6" name="Imagen 5">
+            <a:extLst>
+              <a:ext uri="{FF2B5EF4-FFF2-40B4-BE49-F238E27FC236}">
+                <a16:creationId xmlns:a16="http://schemas.microsoft.com/office/drawing/2014/main" id="{EBA82527-4BB4-45FD-8361-925BBD7F422A}"/>
+              </a:ext>
+            </a:extLst>
+          </p:cNvPr>
+          <p:cNvPicPr>
+            <a:picLocks noChangeAspect="1"/>
+          </p:cNvPicPr>
+          <p:nvPr/>
+        </p:nvPicPr>
+        <p:blipFill>
+          <a:blip r:embed="rId2"/>
+          <a:stretch>
+            <a:fillRect/>
+          </a:stretch>
+        </p:blipFill>
+        <p:spPr>
+          <a:xfrm>
+            <a:off x="2370684" y="2362200"/>
+            <a:ext cx="7448550" cy="3429000"/>
+          </a:xfrm>
+          <a:prstGeom prst="rect">
+            <a:avLst/>
+          </a:prstGeom>
+        </p:spPr>
+      </p:pic>
+    </p:spTree>
+    <p:extLst>
+      <p:ext uri="{BB962C8B-B14F-4D97-AF65-F5344CB8AC3E}">
+        <p14:creationId xmlns:p14="http://schemas.microsoft.com/office/powerpoint/2010/main" val="300419511"/>
+      </p:ext>
+    </p:extLst>
+  </p:cSld>
+  <p:clrMapOvr>
+    <a:masterClrMapping/>
+  </p:clrMapOvr>
+</p:sld>
+</file>
+
+<file path=ppt/slides/slide13.xml><?xml version="1.0" encoding="utf-8"?>
+<p:sld xmlns:a="http://schemas.openxmlformats.org/drawingml/2006/main" xmlns:r="http://schemas.openxmlformats.org/officeDocument/2006/relationships" xmlns:p="http://schemas.openxmlformats.org/presentationml/2006/main">
+  <p:cSld>
+    <p:spTree>
+      <p:nvGrpSpPr>
+        <p:cNvPr id="1" name=""/>
+        <p:cNvGrpSpPr/>
+        <p:nvPr/>
+      </p:nvGrpSpPr>
+      <p:grpSpPr>
+        <a:xfrm>
+          <a:off x="0" y="0"/>
+          <a:ext cx="0" cy="0"/>
+          <a:chOff x="0" y="0"/>
+          <a:chExt cx="0" cy="0"/>
+        </a:xfrm>
+      </p:grpSpPr>
+      <p:sp>
+        <p:nvSpPr>
+          <p:cNvPr id="2" name="Título 1">
+            <a:extLst>
+              <a:ext uri="{FF2B5EF4-FFF2-40B4-BE49-F238E27FC236}">
+                <a16:creationId xmlns:a16="http://schemas.microsoft.com/office/drawing/2014/main" id="{A9C48649-234F-4967-B636-2F6948C64FC2}"/>
+              </a:ext>
+            </a:extLst>
+          </p:cNvPr>
+          <p:cNvSpPr>
+            <a:spLocks noGrp="1"/>
+          </p:cNvSpPr>
+          <p:nvPr>
+            <p:ph type="title"/>
+          </p:nvPr>
+        </p:nvSpPr>
+        <p:spPr/>
+        <p:txBody>
+          <a:bodyPr/>
+          <a:lstStyle/>
+          <a:p>
+            <a:r>
+              <a:rPr lang="es-MX" b="1" dirty="0"/>
+              <a:t>GRAFICAS TRIGONOMETRICAS</a:t>
+            </a:r>
+            <a:endParaRPr lang="es-PE" b="1" dirty="0"/>
+          </a:p>
+        </p:txBody>
+      </p:sp>
+      <p:pic>
+        <p:nvPicPr>
+          <p:cNvPr id="4" name="Imagen 3">
+            <a:extLst>
+              <a:ext uri="{FF2B5EF4-FFF2-40B4-BE49-F238E27FC236}">
+                <a16:creationId xmlns:a16="http://schemas.microsoft.com/office/drawing/2014/main" id="{DAEA2855-6D6F-434E-9F35-093F130B45E3}"/>
+              </a:ext>
+            </a:extLst>
+          </p:cNvPr>
+          <p:cNvPicPr>
+            <a:picLocks noChangeAspect="1"/>
+          </p:cNvPicPr>
+          <p:nvPr/>
+        </p:nvPicPr>
+        <p:blipFill>
+          <a:blip r:embed="rId2"/>
+          <a:stretch>
+            <a:fillRect/>
+          </a:stretch>
+        </p:blipFill>
+        <p:spPr>
+          <a:xfrm>
+            <a:off x="1965524" y="2476499"/>
+            <a:ext cx="8258870" cy="3428999"/>
+          </a:xfrm>
+          <a:prstGeom prst="rect">
+            <a:avLst/>
+          </a:prstGeom>
+        </p:spPr>
+      </p:pic>
+    </p:spTree>
+    <p:extLst>
+      <p:ext uri="{BB962C8B-B14F-4D97-AF65-F5344CB8AC3E}">
+        <p14:creationId xmlns:p14="http://schemas.microsoft.com/office/powerpoint/2010/main" val="3864794610"/>
+      </p:ext>
+    </p:extLst>
+  </p:cSld>
+  <p:clrMapOvr>
+    <a:masterClrMapping/>
+  </p:clrMapOvr>
+</p:sld>
+</file>
+
+<file path=ppt/slides/slide14.xml><?xml version="1.0" encoding="utf-8"?>
+<p:sld xmlns:a="http://schemas.openxmlformats.org/drawingml/2006/main" xmlns:r="http://schemas.openxmlformats.org/officeDocument/2006/relationships" xmlns:p="http://schemas.openxmlformats.org/presentationml/2006/main">
+  <p:cSld>
+    <p:spTree>
+      <p:nvGrpSpPr>
+        <p:cNvPr id="1" name=""/>
+        <p:cNvGrpSpPr/>
+        <p:nvPr/>
+      </p:nvGrpSpPr>
+      <p:grpSpPr>
+        <a:xfrm>
+          <a:off x="0" y="0"/>
+          <a:ext cx="0" cy="0"/>
+          <a:chOff x="0" y="0"/>
+          <a:chExt cx="0" cy="0"/>
+        </a:xfrm>
+      </p:grpSpPr>
+      <p:sp>
+        <p:nvSpPr>
+          <p:cNvPr id="2" name="Título 1">
+            <a:extLst>
+              <a:ext uri="{FF2B5EF4-FFF2-40B4-BE49-F238E27FC236}">
+                <a16:creationId xmlns:a16="http://schemas.microsoft.com/office/drawing/2014/main" id="{A9C48649-234F-4967-B636-2F6948C64FC2}"/>
+              </a:ext>
+            </a:extLst>
+          </p:cNvPr>
+          <p:cNvSpPr>
+            <a:spLocks noGrp="1"/>
+          </p:cNvSpPr>
+          <p:nvPr>
+            <p:ph type="title"/>
+          </p:nvPr>
+        </p:nvSpPr>
+        <p:spPr/>
+        <p:txBody>
+          <a:bodyPr/>
+          <a:lstStyle/>
+          <a:p>
+            <a:r>
+              <a:rPr lang="es-MX" b="1" dirty="0"/>
+              <a:t>GRAFICAS TRIGONOMETRICAS</a:t>
+            </a:r>
+            <a:endParaRPr lang="es-PE" b="1" dirty="0"/>
+          </a:p>
+        </p:txBody>
+      </p:sp>
+      <p:pic>
+        <p:nvPicPr>
+          <p:cNvPr id="5" name="Imagen 4">
+            <a:extLst>
+              <a:ext uri="{FF2B5EF4-FFF2-40B4-BE49-F238E27FC236}">
+                <a16:creationId xmlns:a16="http://schemas.microsoft.com/office/drawing/2014/main" id="{61B78612-76C6-486A-91C9-FBD54A1F86C5}"/>
+              </a:ext>
+            </a:extLst>
+          </p:cNvPr>
+          <p:cNvPicPr>
+            <a:picLocks noChangeAspect="1"/>
+          </p:cNvPicPr>
+          <p:nvPr/>
+        </p:nvPicPr>
+        <p:blipFill>
+          <a:blip r:embed="rId2"/>
+          <a:stretch>
+            <a:fillRect/>
+          </a:stretch>
+        </p:blipFill>
+        <p:spPr>
+          <a:xfrm>
+            <a:off x="1775371" y="2152650"/>
+            <a:ext cx="8639175" cy="4229100"/>
+          </a:xfrm>
+          <a:prstGeom prst="rect">
+            <a:avLst/>
+          </a:prstGeom>
+        </p:spPr>
+      </p:pic>
+    </p:spTree>
+    <p:extLst>
+      <p:ext uri="{BB962C8B-B14F-4D97-AF65-F5344CB8AC3E}">
+        <p14:creationId xmlns:p14="http://schemas.microsoft.com/office/powerpoint/2010/main" val="2430089262"/>
+      </p:ext>
+    </p:extLst>
+  </p:cSld>
+  <p:clrMapOvr>
+    <a:masterClrMapping/>
+  </p:clrMapOvr>
+</p:sld>
+</file>
+
 <file path=ppt/slides/slide2.xml><?xml version="1.0" encoding="utf-8"?>
 <p:sld xmlns:a="http://schemas.openxmlformats.org/drawingml/2006/main" xmlns:r="http://schemas.openxmlformats.org/officeDocument/2006/relationships" xmlns:p="http://schemas.openxmlformats.org/presentationml/2006/main">
   <p:cSld>

--- a/MATPLOTLIB_INTRODUCCION.pptx
+++ b/MATPLOTLIB_INTRODUCCION.pptx
@@ -19,6 +19,8 @@
     <p:sldId id="268" r:id="rId13"/>
     <p:sldId id="269" r:id="rId14"/>
     <p:sldId id="270" r:id="rId15"/>
+    <p:sldId id="271" r:id="rId16"/>
+    <p:sldId id="272" r:id="rId17"/>
   </p:sldIdLst>
   <p:sldSz cx="12192000" cy="6858000"/>
   <p:notesSz cx="6858000" cy="9144000"/>
@@ -301,7 +303,7 @@
           <a:p>
             <a:fld id="{D47221B9-5A14-4495-9DCF-3C5634D30F03}" type="datetimeFigureOut">
               <a:rPr lang="es-PE" smtClean="0"/>
-              <a:t>10/04/2023</a:t>
+              <a:t>18/04/2023</a:t>
             </a:fld>
             <a:endParaRPr lang="es-PE"/>
           </a:p>
@@ -471,7 +473,7 @@
           <a:p>
             <a:fld id="{D47221B9-5A14-4495-9DCF-3C5634D30F03}" type="datetimeFigureOut">
               <a:rPr lang="es-PE" smtClean="0"/>
-              <a:t>10/04/2023</a:t>
+              <a:t>18/04/2023</a:t>
             </a:fld>
             <a:endParaRPr lang="es-PE"/>
           </a:p>
@@ -694,7 +696,7 @@
           <a:p>
             <a:fld id="{D47221B9-5A14-4495-9DCF-3C5634D30F03}" type="datetimeFigureOut">
               <a:rPr lang="es-PE" smtClean="0"/>
-              <a:t>10/04/2023</a:t>
+              <a:t>18/04/2023</a:t>
             </a:fld>
             <a:endParaRPr lang="es-PE"/>
           </a:p>
@@ -874,7 +876,7 @@
           <a:p>
             <a:fld id="{D47221B9-5A14-4495-9DCF-3C5634D30F03}" type="datetimeFigureOut">
               <a:rPr lang="es-PE" smtClean="0"/>
-              <a:t>10/04/2023</a:t>
+              <a:t>18/04/2023</a:t>
             </a:fld>
             <a:endParaRPr lang="es-PE"/>
           </a:p>
@@ -1180,7 +1182,7 @@
           <a:p>
             <a:fld id="{D47221B9-5A14-4495-9DCF-3C5634D30F03}" type="datetimeFigureOut">
               <a:rPr lang="es-PE" smtClean="0"/>
-              <a:t>10/04/2023</a:t>
+              <a:t>18/04/2023</a:t>
             </a:fld>
             <a:endParaRPr lang="es-PE"/>
           </a:p>
@@ -1484,7 +1486,7 @@
           <a:p>
             <a:fld id="{D47221B9-5A14-4495-9DCF-3C5634D30F03}" type="datetimeFigureOut">
               <a:rPr lang="es-PE" smtClean="0"/>
-              <a:t>10/04/2023</a:t>
+              <a:t>18/04/2023</a:t>
             </a:fld>
             <a:endParaRPr lang="es-PE"/>
           </a:p>
@@ -1906,7 +1908,7 @@
           <a:p>
             <a:fld id="{D47221B9-5A14-4495-9DCF-3C5634D30F03}" type="datetimeFigureOut">
               <a:rPr lang="es-PE" smtClean="0"/>
-              <a:t>10/04/2023</a:t>
+              <a:t>18/04/2023</a:t>
             </a:fld>
             <a:endParaRPr lang="es-PE"/>
           </a:p>
@@ -2024,7 +2026,7 @@
           <a:p>
             <a:fld id="{D47221B9-5A14-4495-9DCF-3C5634D30F03}" type="datetimeFigureOut">
               <a:rPr lang="es-PE" smtClean="0"/>
-              <a:t>10/04/2023</a:t>
+              <a:t>18/04/2023</a:t>
             </a:fld>
             <a:endParaRPr lang="es-PE"/>
           </a:p>
@@ -2119,7 +2121,7 @@
           <a:p>
             <a:fld id="{D47221B9-5A14-4495-9DCF-3C5634D30F03}" type="datetimeFigureOut">
               <a:rPr lang="es-PE" smtClean="0"/>
-              <a:t>10/04/2023</a:t>
+              <a:t>18/04/2023</a:t>
             </a:fld>
             <a:endParaRPr lang="es-PE"/>
           </a:p>
@@ -2392,7 +2394,7 @@
           <a:p>
             <a:fld id="{D47221B9-5A14-4495-9DCF-3C5634D30F03}" type="datetimeFigureOut">
               <a:rPr lang="es-PE" smtClean="0"/>
-              <a:t>10/04/2023</a:t>
+              <a:t>18/04/2023</a:t>
             </a:fld>
             <a:endParaRPr lang="es-PE"/>
           </a:p>
@@ -2657,7 +2659,7 @@
           <a:p>
             <a:fld id="{D47221B9-5A14-4495-9DCF-3C5634D30F03}" type="datetimeFigureOut">
               <a:rPr lang="es-PE" smtClean="0"/>
-              <a:t>10/04/2023</a:t>
+              <a:t>18/04/2023</a:t>
             </a:fld>
             <a:endParaRPr lang="es-PE"/>
           </a:p>
@@ -2906,7 +2908,7 @@
           <a:p>
             <a:fld id="{D47221B9-5A14-4495-9DCF-3C5634D30F03}" type="datetimeFigureOut">
               <a:rPr lang="es-PE" smtClean="0"/>
-              <a:t>10/04/2023</a:t>
+              <a:t>18/04/2023</a:t>
             </a:fld>
             <a:endParaRPr lang="es-PE"/>
           </a:p>
@@ -4275,6 +4277,378 @@
 </p:sld>
 </file>
 
+<file path=ppt/slides/slide15.xml><?xml version="1.0" encoding="utf-8"?>
+<p:sld xmlns:a="http://schemas.openxmlformats.org/drawingml/2006/main" xmlns:r="http://schemas.openxmlformats.org/officeDocument/2006/relationships" xmlns:p="http://schemas.openxmlformats.org/presentationml/2006/main">
+  <p:cSld>
+    <p:spTree>
+      <p:nvGrpSpPr>
+        <p:cNvPr id="1" name=""/>
+        <p:cNvGrpSpPr/>
+        <p:nvPr/>
+      </p:nvGrpSpPr>
+      <p:grpSpPr>
+        <a:xfrm>
+          <a:off x="0" y="0"/>
+          <a:ext cx="0" cy="0"/>
+          <a:chOff x="0" y="0"/>
+          <a:chExt cx="0" cy="0"/>
+        </a:xfrm>
+      </p:grpSpPr>
+      <p:sp>
+        <p:nvSpPr>
+          <p:cNvPr id="2" name="Título 1">
+            <a:extLst>
+              <a:ext uri="{FF2B5EF4-FFF2-40B4-BE49-F238E27FC236}">
+                <a16:creationId xmlns:a16="http://schemas.microsoft.com/office/drawing/2014/main" id="{1A2201A8-EDBA-4D06-9A9D-B0F1FBAA5219}"/>
+              </a:ext>
+            </a:extLst>
+          </p:cNvPr>
+          <p:cNvSpPr>
+            <a:spLocks noGrp="1"/>
+          </p:cNvSpPr>
+          <p:nvPr>
+            <p:ph type="title"/>
+          </p:nvPr>
+        </p:nvSpPr>
+        <p:spPr/>
+        <p:txBody>
+          <a:bodyPr/>
+          <a:lstStyle/>
+          <a:p>
+            <a:r>
+              <a:rPr lang="es-MX" b="1" dirty="0"/>
+              <a:t>MAPA DE CALOR</a:t>
+            </a:r>
+            <a:endParaRPr lang="es-PE" b="1" dirty="0"/>
+          </a:p>
+        </p:txBody>
+      </p:sp>
+      <p:sp>
+        <p:nvSpPr>
+          <p:cNvPr id="3" name="Marcador de contenido 2">
+            <a:extLst>
+              <a:ext uri="{FF2B5EF4-FFF2-40B4-BE49-F238E27FC236}">
+                <a16:creationId xmlns:a16="http://schemas.microsoft.com/office/drawing/2014/main" id="{F2655E6A-B506-4FEA-AAA7-F9DFB45C88FC}"/>
+              </a:ext>
+            </a:extLst>
+          </p:cNvPr>
+          <p:cNvSpPr>
+            <a:spLocks noGrp="1"/>
+          </p:cNvSpPr>
+          <p:nvPr>
+            <p:ph sz="half" idx="1"/>
+          </p:nvPr>
+        </p:nvSpPr>
+        <p:spPr/>
+        <p:txBody>
+          <a:bodyPr/>
+          <a:lstStyle/>
+          <a:p>
+            <a:r>
+              <a:rPr lang="es-MX" dirty="0"/>
+              <a:t>En </a:t>
+            </a:r>
+            <a:r>
+              <a:rPr lang="es-MX" dirty="0" err="1"/>
+              <a:t>matplotlib</a:t>
+            </a:r>
+            <a:r>
+              <a:rPr lang="es-MX" dirty="0"/>
+              <a:t> puedes utilizar la función </a:t>
+            </a:r>
+            <a:r>
+              <a:rPr lang="es-MX" b="1" dirty="0" err="1"/>
+              <a:t>imshow</a:t>
+            </a:r>
+            <a:r>
+              <a:rPr lang="es-MX" dirty="0"/>
+              <a:t> para crear un mapa de calor, también llamado </a:t>
+            </a:r>
+            <a:r>
+              <a:rPr lang="es-MX" dirty="0" err="1"/>
+              <a:t>heat</a:t>
+            </a:r>
+            <a:r>
+              <a:rPr lang="es-MX" dirty="0"/>
+              <a:t> </a:t>
+            </a:r>
+            <a:r>
+              <a:rPr lang="es-MX" dirty="0" err="1"/>
+              <a:t>map</a:t>
+            </a:r>
+            <a:r>
+              <a:rPr lang="es-MX" dirty="0"/>
+              <a:t> en inglés. Para ello tan solo es necesario pasar un array de (N, M) dimensiones a la función, donde la primera dimensión define las filas y la segunda las columnas del mapa de calor.</a:t>
+            </a:r>
+          </a:p>
+          <a:p>
+            <a:r>
+              <a:rPr lang="es-MX" dirty="0"/>
+              <a:t>Para trabajar con los data numérica nos apoyamos en la librería </a:t>
+            </a:r>
+            <a:r>
+              <a:rPr lang="es-MX" dirty="0" err="1"/>
+              <a:t>Numpy</a:t>
+            </a:r>
+            <a:endParaRPr lang="es-PE" dirty="0"/>
+          </a:p>
+        </p:txBody>
+      </p:sp>
+      <p:sp>
+        <p:nvSpPr>
+          <p:cNvPr id="4" name="Marcador de contenido 3">
+            <a:extLst>
+              <a:ext uri="{FF2B5EF4-FFF2-40B4-BE49-F238E27FC236}">
+                <a16:creationId xmlns:a16="http://schemas.microsoft.com/office/drawing/2014/main" id="{F833C427-11CD-4643-BF7F-2DDB8D402216}"/>
+              </a:ext>
+            </a:extLst>
+          </p:cNvPr>
+          <p:cNvSpPr>
+            <a:spLocks noGrp="1"/>
+          </p:cNvSpPr>
+          <p:nvPr>
+            <p:ph sz="half" idx="2"/>
+          </p:nvPr>
+        </p:nvSpPr>
+        <p:spPr/>
+        <p:txBody>
+          <a:bodyPr/>
+          <a:lstStyle/>
+          <a:p>
+            <a:endParaRPr lang="es-PE"/>
+          </a:p>
+        </p:txBody>
+      </p:sp>
+      <p:pic>
+        <p:nvPicPr>
+          <p:cNvPr id="7" name="Imagen 6">
+            <a:extLst>
+              <a:ext uri="{FF2B5EF4-FFF2-40B4-BE49-F238E27FC236}">
+                <a16:creationId xmlns:a16="http://schemas.microsoft.com/office/drawing/2014/main" id="{293E9DD7-1B5B-4CE8-8B67-90A5FD518304}"/>
+              </a:ext>
+            </a:extLst>
+          </p:cNvPr>
+          <p:cNvPicPr>
+            <a:picLocks noChangeAspect="1"/>
+          </p:cNvPicPr>
+          <p:nvPr/>
+        </p:nvPicPr>
+        <p:blipFill>
+          <a:blip r:embed="rId2"/>
+          <a:stretch>
+            <a:fillRect/>
+          </a:stretch>
+        </p:blipFill>
+        <p:spPr>
+          <a:xfrm>
+            <a:off x="6230391" y="2209800"/>
+            <a:ext cx="4476750" cy="3594237"/>
+          </a:xfrm>
+          <a:prstGeom prst="rect">
+            <a:avLst/>
+          </a:prstGeom>
+        </p:spPr>
+      </p:pic>
+    </p:spTree>
+    <p:extLst>
+      <p:ext uri="{BB962C8B-B14F-4D97-AF65-F5344CB8AC3E}">
+        <p14:creationId xmlns:p14="http://schemas.microsoft.com/office/powerpoint/2010/main" val="3362284591"/>
+      </p:ext>
+    </p:extLst>
+  </p:cSld>
+  <p:clrMapOvr>
+    <a:masterClrMapping/>
+  </p:clrMapOvr>
+</p:sld>
+</file>
+
+<file path=ppt/slides/slide16.xml><?xml version="1.0" encoding="utf-8"?>
+<p:sld xmlns:a="http://schemas.openxmlformats.org/drawingml/2006/main" xmlns:r="http://schemas.openxmlformats.org/officeDocument/2006/relationships" xmlns:p="http://schemas.openxmlformats.org/presentationml/2006/main">
+  <p:cSld>
+    <p:spTree>
+      <p:nvGrpSpPr>
+        <p:cNvPr id="1" name=""/>
+        <p:cNvGrpSpPr/>
+        <p:nvPr/>
+      </p:nvGrpSpPr>
+      <p:grpSpPr>
+        <a:xfrm>
+          <a:off x="0" y="0"/>
+          <a:ext cx="0" cy="0"/>
+          <a:chOff x="0" y="0"/>
+          <a:chExt cx="0" cy="0"/>
+        </a:xfrm>
+      </p:grpSpPr>
+      <p:sp>
+        <p:nvSpPr>
+          <p:cNvPr id="2" name="Título 1">
+            <a:extLst>
+              <a:ext uri="{FF2B5EF4-FFF2-40B4-BE49-F238E27FC236}">
+                <a16:creationId xmlns:a16="http://schemas.microsoft.com/office/drawing/2014/main" id="{D6D0548B-EABE-4FCA-8CE4-9F4C0A5E9ACF}"/>
+              </a:ext>
+            </a:extLst>
+          </p:cNvPr>
+          <p:cNvSpPr>
+            <a:spLocks noGrp="1"/>
+          </p:cNvSpPr>
+          <p:nvPr>
+            <p:ph type="title"/>
+          </p:nvPr>
+        </p:nvSpPr>
+        <p:spPr/>
+        <p:txBody>
+          <a:bodyPr/>
+          <a:lstStyle/>
+          <a:p>
+            <a:r>
+              <a:rPr lang="es-MX" b="1" dirty="0"/>
+              <a:t>GRAFICAS 3D </a:t>
+            </a:r>
+            <a:endParaRPr lang="es-PE" b="1" dirty="0"/>
+          </a:p>
+        </p:txBody>
+      </p:sp>
+      <p:sp>
+        <p:nvSpPr>
+          <p:cNvPr id="3" name="Marcador de contenido 2">
+            <a:extLst>
+              <a:ext uri="{FF2B5EF4-FFF2-40B4-BE49-F238E27FC236}">
+                <a16:creationId xmlns:a16="http://schemas.microsoft.com/office/drawing/2014/main" id="{8E51DFE9-2620-4E87-9A19-F82BFF8D3FB9}"/>
+              </a:ext>
+            </a:extLst>
+          </p:cNvPr>
+          <p:cNvSpPr>
+            <a:spLocks noGrp="1"/>
+          </p:cNvSpPr>
+          <p:nvPr>
+            <p:ph sz="half" idx="1"/>
+          </p:nvPr>
+        </p:nvSpPr>
+        <p:spPr/>
+        <p:txBody>
+          <a:bodyPr/>
+          <a:lstStyle/>
+          <a:p>
+            <a:r>
+              <a:rPr lang="es-MX" b="0" i="0" dirty="0">
+                <a:effectLst/>
+                <a:latin typeface="Maven Pro"/>
+              </a:rPr>
+              <a:t>Con la visualización de datos en tercera dimensión, podremos ver de manera más detallada y de manera más interactiva los datos. Por supuesto, no solo nos interesa el aspecto, si no la utilidad. En algún momento tendremos que graficar datos en 3D</a:t>
+            </a:r>
+          </a:p>
+          <a:p>
+            <a:r>
+              <a:rPr lang="en-US" b="1" i="0" dirty="0">
+                <a:effectLst/>
+                <a:latin typeface="Maven Pro"/>
+              </a:rPr>
+              <a:t>from mpl_toolkits.mplot3d import axes3d</a:t>
+            </a:r>
+          </a:p>
+          <a:p>
+            <a:r>
+              <a:rPr lang="es-PE" b="1" i="0" dirty="0" err="1">
+                <a:effectLst/>
+                <a:latin typeface="Maven Pro"/>
+              </a:rPr>
+              <a:t>plot_wireframe</a:t>
+            </a:r>
+            <a:endParaRPr lang="es-MX" b="0" i="0" dirty="0">
+              <a:effectLst/>
+              <a:latin typeface="Maven Pro"/>
+            </a:endParaRPr>
+          </a:p>
+          <a:p>
+            <a:endParaRPr lang="es-PE" dirty="0"/>
+          </a:p>
+        </p:txBody>
+      </p:sp>
+      <p:sp>
+        <p:nvSpPr>
+          <p:cNvPr id="4" name="Marcador de contenido 3">
+            <a:extLst>
+              <a:ext uri="{FF2B5EF4-FFF2-40B4-BE49-F238E27FC236}">
+                <a16:creationId xmlns:a16="http://schemas.microsoft.com/office/drawing/2014/main" id="{9ED9D716-9EAE-4BED-B262-D672568FCF2E}"/>
+              </a:ext>
+            </a:extLst>
+          </p:cNvPr>
+          <p:cNvSpPr>
+            <a:spLocks noGrp="1"/>
+          </p:cNvSpPr>
+          <p:nvPr>
+            <p:ph sz="half" idx="2"/>
+          </p:nvPr>
+        </p:nvSpPr>
+        <p:spPr/>
+        <p:txBody>
+          <a:bodyPr/>
+          <a:lstStyle/>
+          <a:p>
+            <a:endParaRPr lang="es-PE"/>
+          </a:p>
+        </p:txBody>
+      </p:sp>
+      <p:pic>
+        <p:nvPicPr>
+          <p:cNvPr id="1026" name="Picture 2" descr="Gráficos 3D con Matplotlib Python">
+            <a:extLst>
+              <a:ext uri="{FF2B5EF4-FFF2-40B4-BE49-F238E27FC236}">
+                <a16:creationId xmlns:a16="http://schemas.microsoft.com/office/drawing/2014/main" id="{3CE6567B-284B-498F-BFE3-988CE325DCB4}"/>
+              </a:ext>
+            </a:extLst>
+          </p:cNvPr>
+          <p:cNvPicPr>
+            <a:picLocks noChangeAspect="1" noChangeArrowheads="1"/>
+          </p:cNvPicPr>
+          <p:nvPr/>
+        </p:nvPicPr>
+        <p:blipFill>
+          <a:blip r:embed="rId2">
+            <a:extLst>
+              <a:ext uri="{28A0092B-C50C-407E-A947-70E740481C1C}">
+                <a14:useLocalDpi xmlns:a14="http://schemas.microsoft.com/office/drawing/2010/main" val="0"/>
+              </a:ext>
+            </a:extLst>
+          </a:blip>
+          <a:srcRect/>
+          <a:stretch>
+            <a:fillRect/>
+          </a:stretch>
+        </p:blipFill>
+        <p:spPr bwMode="auto">
+          <a:xfrm>
+            <a:off x="6230391" y="2290763"/>
+            <a:ext cx="5542045" cy="3509962"/>
+          </a:xfrm>
+          <a:prstGeom prst="rect">
+            <a:avLst/>
+          </a:prstGeom>
+          <a:noFill/>
+          <a:extLst>
+            <a:ext uri="{909E8E84-426E-40DD-AFC4-6F175D3DCCD1}">
+              <a14:hiddenFill xmlns:a14="http://schemas.microsoft.com/office/drawing/2010/main">
+                <a:solidFill>
+                  <a:srgbClr val="FFFFFF"/>
+                </a:solidFill>
+              </a14:hiddenFill>
+            </a:ext>
+          </a:extLst>
+        </p:spPr>
+      </p:pic>
+    </p:spTree>
+    <p:extLst>
+      <p:ext uri="{BB962C8B-B14F-4D97-AF65-F5344CB8AC3E}">
+        <p14:creationId xmlns:p14="http://schemas.microsoft.com/office/powerpoint/2010/main" val="2104132473"/>
+      </p:ext>
+    </p:extLst>
+  </p:cSld>
+  <p:clrMapOvr>
+    <a:masterClrMapping/>
+  </p:clrMapOvr>
+</p:sld>
+</file>
+
 <file path=ppt/slides/slide2.xml><?xml version="1.0" encoding="utf-8"?>
 <p:sld xmlns:a="http://schemas.openxmlformats.org/drawingml/2006/main" xmlns:r="http://schemas.openxmlformats.org/officeDocument/2006/relationships" xmlns:p="http://schemas.openxmlformats.org/presentationml/2006/main">
   <p:cSld>

--- a/MATPLOTLIB_INTRODUCCION.pptx
+++ b/MATPLOTLIB_INTRODUCCION.pptx
@@ -21,6 +21,7 @@
     <p:sldId id="270" r:id="rId15"/>
     <p:sldId id="271" r:id="rId16"/>
     <p:sldId id="272" r:id="rId17"/>
+    <p:sldId id="273" r:id="rId18"/>
   </p:sldIdLst>
   <p:sldSz cx="12192000" cy="6858000"/>
   <p:notesSz cx="6858000" cy="9144000"/>
@@ -303,7 +304,7 @@
           <a:p>
             <a:fld id="{D47221B9-5A14-4495-9DCF-3C5634D30F03}" type="datetimeFigureOut">
               <a:rPr lang="es-PE" smtClean="0"/>
-              <a:t>18/04/2023</a:t>
+              <a:t>9/05/2023</a:t>
             </a:fld>
             <a:endParaRPr lang="es-PE"/>
           </a:p>
@@ -473,7 +474,7 @@
           <a:p>
             <a:fld id="{D47221B9-5A14-4495-9DCF-3C5634D30F03}" type="datetimeFigureOut">
               <a:rPr lang="es-PE" smtClean="0"/>
-              <a:t>18/04/2023</a:t>
+              <a:t>9/05/2023</a:t>
             </a:fld>
             <a:endParaRPr lang="es-PE"/>
           </a:p>
@@ -696,7 +697,7 @@
           <a:p>
             <a:fld id="{D47221B9-5A14-4495-9DCF-3C5634D30F03}" type="datetimeFigureOut">
               <a:rPr lang="es-PE" smtClean="0"/>
-              <a:t>18/04/2023</a:t>
+              <a:t>9/05/2023</a:t>
             </a:fld>
             <a:endParaRPr lang="es-PE"/>
           </a:p>
@@ -876,7 +877,7 @@
           <a:p>
             <a:fld id="{D47221B9-5A14-4495-9DCF-3C5634D30F03}" type="datetimeFigureOut">
               <a:rPr lang="es-PE" smtClean="0"/>
-              <a:t>18/04/2023</a:t>
+              <a:t>9/05/2023</a:t>
             </a:fld>
             <a:endParaRPr lang="es-PE"/>
           </a:p>
@@ -1182,7 +1183,7 @@
           <a:p>
             <a:fld id="{D47221B9-5A14-4495-9DCF-3C5634D30F03}" type="datetimeFigureOut">
               <a:rPr lang="es-PE" smtClean="0"/>
-              <a:t>18/04/2023</a:t>
+              <a:t>9/05/2023</a:t>
             </a:fld>
             <a:endParaRPr lang="es-PE"/>
           </a:p>
@@ -1486,7 +1487,7 @@
           <a:p>
             <a:fld id="{D47221B9-5A14-4495-9DCF-3C5634D30F03}" type="datetimeFigureOut">
               <a:rPr lang="es-PE" smtClean="0"/>
-              <a:t>18/04/2023</a:t>
+              <a:t>9/05/2023</a:t>
             </a:fld>
             <a:endParaRPr lang="es-PE"/>
           </a:p>
@@ -1908,7 +1909,7 @@
           <a:p>
             <a:fld id="{D47221B9-5A14-4495-9DCF-3C5634D30F03}" type="datetimeFigureOut">
               <a:rPr lang="es-PE" smtClean="0"/>
-              <a:t>18/04/2023</a:t>
+              <a:t>9/05/2023</a:t>
             </a:fld>
             <a:endParaRPr lang="es-PE"/>
           </a:p>
@@ -2026,7 +2027,7 @@
           <a:p>
             <a:fld id="{D47221B9-5A14-4495-9DCF-3C5634D30F03}" type="datetimeFigureOut">
               <a:rPr lang="es-PE" smtClean="0"/>
-              <a:t>18/04/2023</a:t>
+              <a:t>9/05/2023</a:t>
             </a:fld>
             <a:endParaRPr lang="es-PE"/>
           </a:p>
@@ -2121,7 +2122,7 @@
           <a:p>
             <a:fld id="{D47221B9-5A14-4495-9DCF-3C5634D30F03}" type="datetimeFigureOut">
               <a:rPr lang="es-PE" smtClean="0"/>
-              <a:t>18/04/2023</a:t>
+              <a:t>9/05/2023</a:t>
             </a:fld>
             <a:endParaRPr lang="es-PE"/>
           </a:p>
@@ -2394,7 +2395,7 @@
           <a:p>
             <a:fld id="{D47221B9-5A14-4495-9DCF-3C5634D30F03}" type="datetimeFigureOut">
               <a:rPr lang="es-PE" smtClean="0"/>
-              <a:t>18/04/2023</a:t>
+              <a:t>9/05/2023</a:t>
             </a:fld>
             <a:endParaRPr lang="es-PE"/>
           </a:p>
@@ -2659,7 +2660,7 @@
           <a:p>
             <a:fld id="{D47221B9-5A14-4495-9DCF-3C5634D30F03}" type="datetimeFigureOut">
               <a:rPr lang="es-PE" smtClean="0"/>
-              <a:t>18/04/2023</a:t>
+              <a:t>9/05/2023</a:t>
             </a:fld>
             <a:endParaRPr lang="es-PE"/>
           </a:p>
@@ -2908,7 +2909,7 @@
           <a:p>
             <a:fld id="{D47221B9-5A14-4495-9DCF-3C5634D30F03}" type="datetimeFigureOut">
               <a:rPr lang="es-PE" smtClean="0"/>
-              <a:t>18/04/2023</a:t>
+              <a:t>9/05/2023</a:t>
             </a:fld>
             <a:endParaRPr lang="es-PE"/>
           </a:p>
@@ -4649,6 +4650,261 @@
 </p:sld>
 </file>
 
+<file path=ppt/slides/slide17.xml><?xml version="1.0" encoding="utf-8"?>
+<p:sld xmlns:a="http://schemas.openxmlformats.org/drawingml/2006/main" xmlns:r="http://schemas.openxmlformats.org/officeDocument/2006/relationships" xmlns:p="http://schemas.openxmlformats.org/presentationml/2006/main">
+  <p:cSld>
+    <p:spTree>
+      <p:nvGrpSpPr>
+        <p:cNvPr id="1" name=""/>
+        <p:cNvGrpSpPr/>
+        <p:nvPr/>
+      </p:nvGrpSpPr>
+      <p:grpSpPr>
+        <a:xfrm>
+          <a:off x="0" y="0"/>
+          <a:ext cx="0" cy="0"/>
+          <a:chOff x="0" y="0"/>
+          <a:chExt cx="0" cy="0"/>
+        </a:xfrm>
+      </p:grpSpPr>
+      <p:sp>
+        <p:nvSpPr>
+          <p:cNvPr id="2" name="Título 1">
+            <a:extLst>
+              <a:ext uri="{FF2B5EF4-FFF2-40B4-BE49-F238E27FC236}">
+                <a16:creationId xmlns:a16="http://schemas.microsoft.com/office/drawing/2014/main" id="{9EEAF592-1D5E-4F13-8892-2BA5D58CE1C7}"/>
+              </a:ext>
+            </a:extLst>
+          </p:cNvPr>
+          <p:cNvSpPr>
+            <a:spLocks noGrp="1"/>
+          </p:cNvSpPr>
+          <p:nvPr>
+            <p:ph type="title"/>
+          </p:nvPr>
+        </p:nvSpPr>
+        <p:spPr/>
+        <p:txBody>
+          <a:bodyPr/>
+          <a:lstStyle/>
+          <a:p>
+            <a:r>
+              <a:rPr lang="es-MX" b="1" dirty="0"/>
+              <a:t>ANIMATPLOT</a:t>
+            </a:r>
+            <a:endParaRPr lang="es-PE" b="1" dirty="0"/>
+          </a:p>
+        </p:txBody>
+      </p:sp>
+      <p:sp>
+        <p:nvSpPr>
+          <p:cNvPr id="3" name="Marcador de contenido 2">
+            <a:extLst>
+              <a:ext uri="{FF2B5EF4-FFF2-40B4-BE49-F238E27FC236}">
+                <a16:creationId xmlns:a16="http://schemas.microsoft.com/office/drawing/2014/main" id="{FA3F27FB-ADCC-4233-9B69-C929E5D1BCD5}"/>
+              </a:ext>
+            </a:extLst>
+          </p:cNvPr>
+          <p:cNvSpPr>
+            <a:spLocks noGrp="1"/>
+          </p:cNvSpPr>
+          <p:nvPr>
+            <p:ph sz="half" idx="1"/>
+          </p:nvPr>
+        </p:nvSpPr>
+        <p:spPr/>
+        <p:txBody>
+          <a:bodyPr/>
+          <a:lstStyle/>
+          <a:p>
+            <a:endParaRPr lang="es-PE" dirty="0"/>
+          </a:p>
+        </p:txBody>
+      </p:sp>
+      <p:sp>
+        <p:nvSpPr>
+          <p:cNvPr id="4" name="Marcador de contenido 3">
+            <a:extLst>
+              <a:ext uri="{FF2B5EF4-FFF2-40B4-BE49-F238E27FC236}">
+                <a16:creationId xmlns:a16="http://schemas.microsoft.com/office/drawing/2014/main" id="{FF8A5541-B2C9-479B-98F1-1E9EE0B938CD}"/>
+              </a:ext>
+            </a:extLst>
+          </p:cNvPr>
+          <p:cNvSpPr>
+            <a:spLocks noGrp="1"/>
+          </p:cNvSpPr>
+          <p:nvPr>
+            <p:ph sz="half" idx="2"/>
+          </p:nvPr>
+        </p:nvSpPr>
+        <p:spPr/>
+        <p:txBody>
+          <a:bodyPr/>
+          <a:lstStyle/>
+          <a:p>
+            <a:endParaRPr lang="es-PE"/>
+          </a:p>
+        </p:txBody>
+      </p:sp>
+      <p:pic>
+        <p:nvPicPr>
+          <p:cNvPr id="6" name="Imagen 5">
+            <a:extLst>
+              <a:ext uri="{FF2B5EF4-FFF2-40B4-BE49-F238E27FC236}">
+                <a16:creationId xmlns:a16="http://schemas.microsoft.com/office/drawing/2014/main" id="{E8231BFD-0AD6-4DB8-A564-1FBCBF3E8EBA}"/>
+              </a:ext>
+            </a:extLst>
+          </p:cNvPr>
+          <p:cNvPicPr>
+            <a:picLocks noChangeAspect="1"/>
+          </p:cNvPicPr>
+          <p:nvPr/>
+        </p:nvPicPr>
+        <p:blipFill>
+          <a:blip r:embed="rId2"/>
+          <a:stretch>
+            <a:fillRect/>
+          </a:stretch>
+        </p:blipFill>
+        <p:spPr>
+          <a:xfrm>
+            <a:off x="3343275" y="3099567"/>
+            <a:ext cx="6367462" cy="3156453"/>
+          </a:xfrm>
+          <a:prstGeom prst="rect">
+            <a:avLst/>
+          </a:prstGeom>
+        </p:spPr>
+      </p:pic>
+      <p:sp>
+        <p:nvSpPr>
+          <p:cNvPr id="7" name="Rectángulo: esquinas redondeadas 6">
+            <a:extLst>
+              <a:ext uri="{FF2B5EF4-FFF2-40B4-BE49-F238E27FC236}">
+                <a16:creationId xmlns:a16="http://schemas.microsoft.com/office/drawing/2014/main" id="{075ED509-FBC0-46CF-BF5F-3BD2BDCDDA30}"/>
+              </a:ext>
+            </a:extLst>
+          </p:cNvPr>
+          <p:cNvSpPr/>
+          <p:nvPr/>
+        </p:nvSpPr>
+        <p:spPr>
+          <a:xfrm>
+            <a:off x="3649803" y="2030730"/>
+            <a:ext cx="4890312" cy="741045"/>
+          </a:xfrm>
+          <a:prstGeom prst="roundRect">
+            <a:avLst/>
+          </a:prstGeom>
+        </p:spPr>
+        <p:style>
+          <a:lnRef idx="2">
+            <a:schemeClr val="accent1">
+              <a:shade val="50000"/>
+            </a:schemeClr>
+          </a:lnRef>
+          <a:fillRef idx="1">
+            <a:schemeClr val="accent1"/>
+          </a:fillRef>
+          <a:effectRef idx="0">
+            <a:schemeClr val="accent1"/>
+          </a:effectRef>
+          <a:fontRef idx="minor">
+            <a:schemeClr val="lt1"/>
+          </a:fontRef>
+        </p:style>
+        <p:txBody>
+          <a:bodyPr rtlCol="0" anchor="ctr"/>
+          <a:lstStyle/>
+          <a:p>
+            <a:pPr algn="ctr"/>
+            <a:r>
+              <a:rPr lang="es-PE" b="0" i="0" dirty="0">
+                <a:solidFill>
+                  <a:srgbClr val="383838"/>
+                </a:solidFill>
+                <a:effectLst/>
+                <a:latin typeface="Georgia" panose="02040502050405020303" pitchFamily="18" charset="0"/>
+              </a:rPr>
+              <a:t>«</a:t>
+            </a:r>
+            <a:r>
+              <a:rPr lang="es-PE" b="1" i="0" dirty="0" err="1">
+                <a:solidFill>
+                  <a:srgbClr val="383838"/>
+                </a:solidFill>
+                <a:effectLst/>
+                <a:latin typeface="Georgia" panose="02040502050405020303" pitchFamily="18" charset="0"/>
+              </a:rPr>
+              <a:t>pip</a:t>
+            </a:r>
+            <a:r>
+              <a:rPr lang="es-PE" b="1" i="0" dirty="0">
+                <a:solidFill>
+                  <a:srgbClr val="383838"/>
+                </a:solidFill>
+                <a:effectLst/>
+                <a:latin typeface="Georgia" panose="02040502050405020303" pitchFamily="18" charset="0"/>
+              </a:rPr>
+              <a:t> </a:t>
+            </a:r>
+            <a:r>
+              <a:rPr lang="es-PE" b="1" i="0" dirty="0" err="1">
+                <a:solidFill>
+                  <a:srgbClr val="383838"/>
+                </a:solidFill>
+                <a:effectLst/>
+                <a:latin typeface="Georgia" panose="02040502050405020303" pitchFamily="18" charset="0"/>
+              </a:rPr>
+              <a:t>install</a:t>
+            </a:r>
+            <a:r>
+              <a:rPr lang="es-PE" b="1" i="0" dirty="0">
+                <a:solidFill>
+                  <a:srgbClr val="383838"/>
+                </a:solidFill>
+                <a:effectLst/>
+                <a:latin typeface="Georgia" panose="02040502050405020303" pitchFamily="18" charset="0"/>
+              </a:rPr>
+              <a:t> </a:t>
+            </a:r>
+            <a:r>
+              <a:rPr lang="es-PE" b="1" i="0" dirty="0" err="1">
+                <a:solidFill>
+                  <a:srgbClr val="383838"/>
+                </a:solidFill>
+                <a:effectLst/>
+                <a:latin typeface="Georgia" panose="02040502050405020303" pitchFamily="18" charset="0"/>
+              </a:rPr>
+              <a:t>animatplot</a:t>
+            </a:r>
+            <a:r>
+              <a:rPr lang="es-PE" b="0" i="0" dirty="0">
+                <a:solidFill>
+                  <a:srgbClr val="383838"/>
+                </a:solidFill>
+                <a:effectLst/>
+                <a:latin typeface="Georgia" panose="02040502050405020303" pitchFamily="18" charset="0"/>
+              </a:rPr>
+              <a:t>«</a:t>
+            </a:r>
+            <a:endParaRPr lang="es-PE" dirty="0"/>
+          </a:p>
+        </p:txBody>
+      </p:sp>
+    </p:spTree>
+    <p:extLst>
+      <p:ext uri="{BB962C8B-B14F-4D97-AF65-F5344CB8AC3E}">
+        <p14:creationId xmlns:p14="http://schemas.microsoft.com/office/powerpoint/2010/main" val="2818996201"/>
+      </p:ext>
+    </p:extLst>
+  </p:cSld>
+  <p:clrMapOvr>
+    <a:masterClrMapping/>
+  </p:clrMapOvr>
+</p:sld>
+</file>
+
 <file path=ppt/slides/slide2.xml><?xml version="1.0" encoding="utf-8"?>
 <p:sld xmlns:a="http://schemas.openxmlformats.org/drawingml/2006/main" xmlns:r="http://schemas.openxmlformats.org/officeDocument/2006/relationships" xmlns:p="http://schemas.openxmlformats.org/presentationml/2006/main">
   <p:cSld>

--- a/MATPLOTLIB_INTRODUCCION.pptx
+++ b/MATPLOTLIB_INTRODUCCION.pptx
@@ -22,6 +22,7 @@
     <p:sldId id="271" r:id="rId16"/>
     <p:sldId id="272" r:id="rId17"/>
     <p:sldId id="273" r:id="rId18"/>
+    <p:sldId id="274" r:id="rId19"/>
   </p:sldIdLst>
   <p:sldSz cx="12192000" cy="6858000"/>
   <p:notesSz cx="6858000" cy="9144000"/>
@@ -304,7 +305,7 @@
           <a:p>
             <a:fld id="{D47221B9-5A14-4495-9DCF-3C5634D30F03}" type="datetimeFigureOut">
               <a:rPr lang="es-PE" smtClean="0"/>
-              <a:t>9/05/2023</a:t>
+              <a:t>13/05/2023</a:t>
             </a:fld>
             <a:endParaRPr lang="es-PE"/>
           </a:p>
@@ -474,7 +475,7 @@
           <a:p>
             <a:fld id="{D47221B9-5A14-4495-9DCF-3C5634D30F03}" type="datetimeFigureOut">
               <a:rPr lang="es-PE" smtClean="0"/>
-              <a:t>9/05/2023</a:t>
+              <a:t>13/05/2023</a:t>
             </a:fld>
             <a:endParaRPr lang="es-PE"/>
           </a:p>
@@ -697,7 +698,7 @@
           <a:p>
             <a:fld id="{D47221B9-5A14-4495-9DCF-3C5634D30F03}" type="datetimeFigureOut">
               <a:rPr lang="es-PE" smtClean="0"/>
-              <a:t>9/05/2023</a:t>
+              <a:t>13/05/2023</a:t>
             </a:fld>
             <a:endParaRPr lang="es-PE"/>
           </a:p>
@@ -877,7 +878,7 @@
           <a:p>
             <a:fld id="{D47221B9-5A14-4495-9DCF-3C5634D30F03}" type="datetimeFigureOut">
               <a:rPr lang="es-PE" smtClean="0"/>
-              <a:t>9/05/2023</a:t>
+              <a:t>13/05/2023</a:t>
             </a:fld>
             <a:endParaRPr lang="es-PE"/>
           </a:p>
@@ -1183,7 +1184,7 @@
           <a:p>
             <a:fld id="{D47221B9-5A14-4495-9DCF-3C5634D30F03}" type="datetimeFigureOut">
               <a:rPr lang="es-PE" smtClean="0"/>
-              <a:t>9/05/2023</a:t>
+              <a:t>13/05/2023</a:t>
             </a:fld>
             <a:endParaRPr lang="es-PE"/>
           </a:p>
@@ -1487,7 +1488,7 @@
           <a:p>
             <a:fld id="{D47221B9-5A14-4495-9DCF-3C5634D30F03}" type="datetimeFigureOut">
               <a:rPr lang="es-PE" smtClean="0"/>
-              <a:t>9/05/2023</a:t>
+              <a:t>13/05/2023</a:t>
             </a:fld>
             <a:endParaRPr lang="es-PE"/>
           </a:p>
@@ -1909,7 +1910,7 @@
           <a:p>
             <a:fld id="{D47221B9-5A14-4495-9DCF-3C5634D30F03}" type="datetimeFigureOut">
               <a:rPr lang="es-PE" smtClean="0"/>
-              <a:t>9/05/2023</a:t>
+              <a:t>13/05/2023</a:t>
             </a:fld>
             <a:endParaRPr lang="es-PE"/>
           </a:p>
@@ -2027,7 +2028,7 @@
           <a:p>
             <a:fld id="{D47221B9-5A14-4495-9DCF-3C5634D30F03}" type="datetimeFigureOut">
               <a:rPr lang="es-PE" smtClean="0"/>
-              <a:t>9/05/2023</a:t>
+              <a:t>13/05/2023</a:t>
             </a:fld>
             <a:endParaRPr lang="es-PE"/>
           </a:p>
@@ -2122,7 +2123,7 @@
           <a:p>
             <a:fld id="{D47221B9-5A14-4495-9DCF-3C5634D30F03}" type="datetimeFigureOut">
               <a:rPr lang="es-PE" smtClean="0"/>
-              <a:t>9/05/2023</a:t>
+              <a:t>13/05/2023</a:t>
             </a:fld>
             <a:endParaRPr lang="es-PE"/>
           </a:p>
@@ -2395,7 +2396,7 @@
           <a:p>
             <a:fld id="{D47221B9-5A14-4495-9DCF-3C5634D30F03}" type="datetimeFigureOut">
               <a:rPr lang="es-PE" smtClean="0"/>
-              <a:t>9/05/2023</a:t>
+              <a:t>13/05/2023</a:t>
             </a:fld>
             <a:endParaRPr lang="es-PE"/>
           </a:p>
@@ -2660,7 +2661,7 @@
           <a:p>
             <a:fld id="{D47221B9-5A14-4495-9DCF-3C5634D30F03}" type="datetimeFigureOut">
               <a:rPr lang="es-PE" smtClean="0"/>
-              <a:t>9/05/2023</a:t>
+              <a:t>13/05/2023</a:t>
             </a:fld>
             <a:endParaRPr lang="es-PE"/>
           </a:p>
@@ -2909,7 +2910,7 @@
           <a:p>
             <a:fld id="{D47221B9-5A14-4495-9DCF-3C5634D30F03}" type="datetimeFigureOut">
               <a:rPr lang="es-PE" smtClean="0"/>
-              <a:t>9/05/2023</a:t>
+              <a:t>13/05/2023</a:t>
             </a:fld>
             <a:endParaRPr lang="es-PE"/>
           </a:p>
@@ -4905,6 +4906,115 @@
 </p:sld>
 </file>
 
+<file path=ppt/slides/slide18.xml><?xml version="1.0" encoding="utf-8"?>
+<p:sld xmlns:a="http://schemas.openxmlformats.org/drawingml/2006/main" xmlns:r="http://schemas.openxmlformats.org/officeDocument/2006/relationships" xmlns:p="http://schemas.openxmlformats.org/presentationml/2006/main">
+  <p:cSld>
+    <p:spTree>
+      <p:nvGrpSpPr>
+        <p:cNvPr id="1" name=""/>
+        <p:cNvGrpSpPr/>
+        <p:nvPr/>
+      </p:nvGrpSpPr>
+      <p:grpSpPr>
+        <a:xfrm>
+          <a:off x="0" y="0"/>
+          <a:ext cx="0" cy="0"/>
+          <a:chOff x="0" y="0"/>
+          <a:chExt cx="0" cy="0"/>
+        </a:xfrm>
+      </p:grpSpPr>
+      <p:sp>
+        <p:nvSpPr>
+          <p:cNvPr id="2" name="Título 1">
+            <a:extLst>
+              <a:ext uri="{FF2B5EF4-FFF2-40B4-BE49-F238E27FC236}">
+                <a16:creationId xmlns:a16="http://schemas.microsoft.com/office/drawing/2014/main" id="{FBDB3C84-7B01-4BBC-B22E-BF70E80FC08C}"/>
+              </a:ext>
+            </a:extLst>
+          </p:cNvPr>
+          <p:cNvSpPr>
+            <a:spLocks noGrp="1"/>
+          </p:cNvSpPr>
+          <p:nvPr>
+            <p:ph type="title"/>
+          </p:nvPr>
+        </p:nvSpPr>
+        <p:spPr/>
+        <p:txBody>
+          <a:bodyPr/>
+          <a:lstStyle/>
+          <a:p>
+            <a:r>
+              <a:rPr lang="es-MX" b="1" dirty="0"/>
+              <a:t>PANDAS</a:t>
+            </a:r>
+            <a:endParaRPr lang="es-PE" b="1" dirty="0"/>
+          </a:p>
+        </p:txBody>
+      </p:sp>
+      <p:sp>
+        <p:nvSpPr>
+          <p:cNvPr id="3" name="Marcador de contenido 2">
+            <a:extLst>
+              <a:ext uri="{FF2B5EF4-FFF2-40B4-BE49-F238E27FC236}">
+                <a16:creationId xmlns:a16="http://schemas.microsoft.com/office/drawing/2014/main" id="{D0892768-35EF-47CB-A41B-34DB31DDBDC3}"/>
+              </a:ext>
+            </a:extLst>
+          </p:cNvPr>
+          <p:cNvSpPr>
+            <a:spLocks noGrp="1"/>
+          </p:cNvSpPr>
+          <p:nvPr>
+            <p:ph sz="half" idx="1"/>
+          </p:nvPr>
+        </p:nvSpPr>
+        <p:spPr/>
+        <p:txBody>
+          <a:bodyPr/>
+          <a:lstStyle/>
+          <a:p>
+            <a:endParaRPr lang="es-PE"/>
+          </a:p>
+        </p:txBody>
+      </p:sp>
+      <p:sp>
+        <p:nvSpPr>
+          <p:cNvPr id="4" name="Marcador de contenido 3">
+            <a:extLst>
+              <a:ext uri="{FF2B5EF4-FFF2-40B4-BE49-F238E27FC236}">
+                <a16:creationId xmlns:a16="http://schemas.microsoft.com/office/drawing/2014/main" id="{8156F0C1-B2BB-4F0D-ACF7-0EDDB05EDFEA}"/>
+              </a:ext>
+            </a:extLst>
+          </p:cNvPr>
+          <p:cNvSpPr>
+            <a:spLocks noGrp="1"/>
+          </p:cNvSpPr>
+          <p:nvPr>
+            <p:ph sz="half" idx="2"/>
+          </p:nvPr>
+        </p:nvSpPr>
+        <p:spPr/>
+        <p:txBody>
+          <a:bodyPr/>
+          <a:lstStyle/>
+          <a:p>
+            <a:endParaRPr lang="es-PE"/>
+          </a:p>
+        </p:txBody>
+      </p:sp>
+    </p:spTree>
+    <p:extLst>
+      <p:ext uri="{BB962C8B-B14F-4D97-AF65-F5344CB8AC3E}">
+        <p14:creationId xmlns:p14="http://schemas.microsoft.com/office/powerpoint/2010/main" val="2706040232"/>
+      </p:ext>
+    </p:extLst>
+  </p:cSld>
+  <p:clrMapOvr>
+    <a:masterClrMapping/>
+  </p:clrMapOvr>
+</p:sld>
+</file>
+
 <file path=ppt/slides/slide2.xml><?xml version="1.0" encoding="utf-8"?>
 <p:sld xmlns:a="http://schemas.openxmlformats.org/drawingml/2006/main" xmlns:r="http://schemas.openxmlformats.org/officeDocument/2006/relationships" xmlns:p="http://schemas.openxmlformats.org/presentationml/2006/main">
   <p:cSld>

--- a/MATPLOTLIB_INTRODUCCION.pptx
+++ b/MATPLOTLIB_INTRODUCCION.pptx
@@ -22,7 +22,10 @@
     <p:sldId id="271" r:id="rId16"/>
     <p:sldId id="272" r:id="rId17"/>
     <p:sldId id="273" r:id="rId18"/>
-    <p:sldId id="274" r:id="rId19"/>
+    <p:sldId id="275" r:id="rId19"/>
+    <p:sldId id="274" r:id="rId20"/>
+    <p:sldId id="276" r:id="rId21"/>
+    <p:sldId id="277" r:id="rId22"/>
   </p:sldIdLst>
   <p:sldSz cx="12192000" cy="6858000"/>
   <p:notesSz cx="6858000" cy="9144000"/>
@@ -305,7 +308,7 @@
           <a:p>
             <a:fld id="{D47221B9-5A14-4495-9DCF-3C5634D30F03}" type="datetimeFigureOut">
               <a:rPr lang="es-PE" smtClean="0"/>
-              <a:t>13/05/2023</a:t>
+              <a:t>15/05/2023</a:t>
             </a:fld>
             <a:endParaRPr lang="es-PE"/>
           </a:p>
@@ -475,7 +478,7 @@
           <a:p>
             <a:fld id="{D47221B9-5A14-4495-9DCF-3C5634D30F03}" type="datetimeFigureOut">
               <a:rPr lang="es-PE" smtClean="0"/>
-              <a:t>13/05/2023</a:t>
+              <a:t>15/05/2023</a:t>
             </a:fld>
             <a:endParaRPr lang="es-PE"/>
           </a:p>
@@ -698,7 +701,7 @@
           <a:p>
             <a:fld id="{D47221B9-5A14-4495-9DCF-3C5634D30F03}" type="datetimeFigureOut">
               <a:rPr lang="es-PE" smtClean="0"/>
-              <a:t>13/05/2023</a:t>
+              <a:t>15/05/2023</a:t>
             </a:fld>
             <a:endParaRPr lang="es-PE"/>
           </a:p>
@@ -878,7 +881,7 @@
           <a:p>
             <a:fld id="{D47221B9-5A14-4495-9DCF-3C5634D30F03}" type="datetimeFigureOut">
               <a:rPr lang="es-PE" smtClean="0"/>
-              <a:t>13/05/2023</a:t>
+              <a:t>15/05/2023</a:t>
             </a:fld>
             <a:endParaRPr lang="es-PE"/>
           </a:p>
@@ -1184,7 +1187,7 @@
           <a:p>
             <a:fld id="{D47221B9-5A14-4495-9DCF-3C5634D30F03}" type="datetimeFigureOut">
               <a:rPr lang="es-PE" smtClean="0"/>
-              <a:t>13/05/2023</a:t>
+              <a:t>15/05/2023</a:t>
             </a:fld>
             <a:endParaRPr lang="es-PE"/>
           </a:p>
@@ -1488,7 +1491,7 @@
           <a:p>
             <a:fld id="{D47221B9-5A14-4495-9DCF-3C5634D30F03}" type="datetimeFigureOut">
               <a:rPr lang="es-PE" smtClean="0"/>
-              <a:t>13/05/2023</a:t>
+              <a:t>15/05/2023</a:t>
             </a:fld>
             <a:endParaRPr lang="es-PE"/>
           </a:p>
@@ -1910,7 +1913,7 @@
           <a:p>
             <a:fld id="{D47221B9-5A14-4495-9DCF-3C5634D30F03}" type="datetimeFigureOut">
               <a:rPr lang="es-PE" smtClean="0"/>
-              <a:t>13/05/2023</a:t>
+              <a:t>15/05/2023</a:t>
             </a:fld>
             <a:endParaRPr lang="es-PE"/>
           </a:p>
@@ -2028,7 +2031,7 @@
           <a:p>
             <a:fld id="{D47221B9-5A14-4495-9DCF-3C5634D30F03}" type="datetimeFigureOut">
               <a:rPr lang="es-PE" smtClean="0"/>
-              <a:t>13/05/2023</a:t>
+              <a:t>15/05/2023</a:t>
             </a:fld>
             <a:endParaRPr lang="es-PE"/>
           </a:p>
@@ -2123,7 +2126,7 @@
           <a:p>
             <a:fld id="{D47221B9-5A14-4495-9DCF-3C5634D30F03}" type="datetimeFigureOut">
               <a:rPr lang="es-PE" smtClean="0"/>
-              <a:t>13/05/2023</a:t>
+              <a:t>15/05/2023</a:t>
             </a:fld>
             <a:endParaRPr lang="es-PE"/>
           </a:p>
@@ -2396,7 +2399,7 @@
           <a:p>
             <a:fld id="{D47221B9-5A14-4495-9DCF-3C5634D30F03}" type="datetimeFigureOut">
               <a:rPr lang="es-PE" smtClean="0"/>
-              <a:t>13/05/2023</a:t>
+              <a:t>15/05/2023</a:t>
             </a:fld>
             <a:endParaRPr lang="es-PE"/>
           </a:p>
@@ -2661,7 +2664,7 @@
           <a:p>
             <a:fld id="{D47221B9-5A14-4495-9DCF-3C5634D30F03}" type="datetimeFigureOut">
               <a:rPr lang="es-PE" smtClean="0"/>
-              <a:t>13/05/2023</a:t>
+              <a:t>15/05/2023</a:t>
             </a:fld>
             <a:endParaRPr lang="es-PE"/>
           </a:p>
@@ -2910,7 +2913,7 @@
           <a:p>
             <a:fld id="{D47221B9-5A14-4495-9DCF-3C5634D30F03}" type="datetimeFigureOut">
               <a:rPr lang="es-PE" smtClean="0"/>
-              <a:t>13/05/2023</a:t>
+              <a:t>15/05/2023</a:t>
             </a:fld>
             <a:endParaRPr lang="es-PE"/>
           </a:p>
@@ -4928,80 +4931,429 @@
           <p:cNvPr id="2" name="Título 1">
             <a:extLst>
               <a:ext uri="{FF2B5EF4-FFF2-40B4-BE49-F238E27FC236}">
-                <a16:creationId xmlns:a16="http://schemas.microsoft.com/office/drawing/2014/main" id="{FBDB3C84-7B01-4BBC-B22E-BF70E80FC08C}"/>
-              </a:ext>
-            </a:extLst>
-          </p:cNvPr>
-          <p:cNvSpPr>
-            <a:spLocks noGrp="1"/>
-          </p:cNvSpPr>
-          <p:nvPr>
-            <p:ph type="title"/>
+                <a16:creationId xmlns:a16="http://schemas.microsoft.com/office/drawing/2014/main" id="{A6E68CDF-4EA1-41BF-A891-C46F09806708}"/>
+              </a:ext>
+            </a:extLst>
+          </p:cNvPr>
+          <p:cNvSpPr>
+            <a:spLocks noGrp="1"/>
+          </p:cNvSpPr>
+          <p:nvPr>
+            <p:ph type="ctrTitle"/>
+          </p:nvPr>
+        </p:nvSpPr>
+        <p:spPr>
+          <a:xfrm>
+            <a:off x="1371598" y="2305049"/>
+            <a:ext cx="9582150" cy="1319213"/>
+          </a:xfrm>
+        </p:spPr>
+        <p:txBody>
+          <a:bodyPr>
+            <a:noAutofit/>
+          </a:bodyPr>
+          <a:lstStyle/>
+          <a:p>
+            <a:r>
+              <a:rPr lang="es-MX" sz="6800" b="1" dirty="0"/>
+              <a:t>LIBRERÍA pandas</a:t>
+            </a:r>
+            <a:endParaRPr lang="es-PE" sz="6800" b="1" dirty="0"/>
+          </a:p>
+        </p:txBody>
+      </p:sp>
+      <p:sp>
+        <p:nvSpPr>
+          <p:cNvPr id="3" name="Subtítulo 2">
+            <a:extLst>
+              <a:ext uri="{FF2B5EF4-FFF2-40B4-BE49-F238E27FC236}">
+                <a16:creationId xmlns:a16="http://schemas.microsoft.com/office/drawing/2014/main" id="{B3B93AE1-BF9F-42CB-B00D-16AD25F61C54}"/>
+              </a:ext>
+            </a:extLst>
+          </p:cNvPr>
+          <p:cNvSpPr>
+            <a:spLocks noGrp="1"/>
+          </p:cNvSpPr>
+          <p:nvPr>
+            <p:ph type="subTitle" idx="1"/>
+          </p:nvPr>
+        </p:nvSpPr>
+        <p:spPr>
+          <a:xfrm>
+            <a:off x="1524000" y="5752307"/>
+            <a:ext cx="9144000" cy="474662"/>
+          </a:xfrm>
+        </p:spPr>
+        <p:txBody>
+          <a:bodyPr/>
+          <a:lstStyle/>
+          <a:p>
+            <a:r>
+              <a:rPr lang="es-MX" b="1" dirty="0"/>
+              <a:t>@eighta.dev</a:t>
+            </a:r>
+            <a:endParaRPr lang="es-PE" b="1" dirty="0"/>
+          </a:p>
+        </p:txBody>
+      </p:sp>
+      <p:pic>
+        <p:nvPicPr>
+          <p:cNvPr id="1028" name="Picture 4" descr="Matplotlib - Wikipedia, la enciclopedia libre">
+            <a:extLst>
+              <a:ext uri="{FF2B5EF4-FFF2-40B4-BE49-F238E27FC236}">
+                <a16:creationId xmlns:a16="http://schemas.microsoft.com/office/drawing/2014/main" id="{11EBDA03-1666-455E-9E6D-DC319249561D}"/>
+              </a:ext>
+            </a:extLst>
+          </p:cNvPr>
+          <p:cNvPicPr>
+            <a:picLocks noChangeAspect="1" noChangeArrowheads="1"/>
+          </p:cNvPicPr>
+          <p:nvPr/>
+        </p:nvPicPr>
+        <p:blipFill>
+          <a:blip r:embed="rId2">
+            <a:extLst>
+              <a:ext uri="{28A0092B-C50C-407E-A947-70E740481C1C}">
+                <a14:useLocalDpi xmlns:a14="http://schemas.microsoft.com/office/drawing/2010/main" val="0"/>
+              </a:ext>
+            </a:extLst>
+          </a:blip>
+          <a:srcRect/>
+          <a:stretch>
+            <a:fillRect/>
+          </a:stretch>
+        </p:blipFill>
+        <p:spPr bwMode="auto">
+          <a:xfrm>
+            <a:off x="5397698" y="410050"/>
+            <a:ext cx="1396603" cy="1396603"/>
+          </a:xfrm>
+          <a:prstGeom prst="rect">
+            <a:avLst/>
+          </a:prstGeom>
+          <a:noFill/>
+          <a:extLst>
+            <a:ext uri="{909E8E84-426E-40DD-AFC4-6F175D3DCCD1}">
+              <a14:hiddenFill xmlns:a14="http://schemas.microsoft.com/office/drawing/2010/main">
+                <a:solidFill>
+                  <a:srgbClr val="FFFFFF"/>
+                </a:solidFill>
+              </a14:hiddenFill>
+            </a:ext>
+          </a:extLst>
+        </p:spPr>
+      </p:pic>
+      <p:pic>
+        <p:nvPicPr>
+          <p:cNvPr id="1026" name="Picture 2" descr="La librería Pandas | Aprende con Alf">
+            <a:extLst>
+              <a:ext uri="{FF2B5EF4-FFF2-40B4-BE49-F238E27FC236}">
+                <a16:creationId xmlns:a16="http://schemas.microsoft.com/office/drawing/2014/main" id="{02D4C8D0-3A75-4A29-AA24-9766CC9FEF9A}"/>
+              </a:ext>
+            </a:extLst>
+          </p:cNvPr>
+          <p:cNvPicPr>
+            <a:picLocks noChangeAspect="1" noChangeArrowheads="1"/>
+          </p:cNvPicPr>
+          <p:nvPr/>
+        </p:nvPicPr>
+        <p:blipFill>
+          <a:blip r:embed="rId3">
+            <a:extLst>
+              <a:ext uri="{28A0092B-C50C-407E-A947-70E740481C1C}">
+                <a14:useLocalDpi xmlns:a14="http://schemas.microsoft.com/office/drawing/2010/main" val="0"/>
+              </a:ext>
+            </a:extLst>
+          </a:blip>
+          <a:srcRect/>
+          <a:stretch>
+            <a:fillRect/>
+          </a:stretch>
+        </p:blipFill>
+        <p:spPr bwMode="auto">
+          <a:xfrm>
+            <a:off x="3159964" y="4097852"/>
+            <a:ext cx="5872072" cy="1223348"/>
+          </a:xfrm>
+          <a:prstGeom prst="rect">
+            <a:avLst/>
+          </a:prstGeom>
+          <a:noFill/>
+          <a:extLst>
+            <a:ext uri="{909E8E84-426E-40DD-AFC4-6F175D3DCCD1}">
+              <a14:hiddenFill xmlns:a14="http://schemas.microsoft.com/office/drawing/2010/main">
+                <a:solidFill>
+                  <a:srgbClr val="FFFFFF"/>
+                </a:solidFill>
+              </a14:hiddenFill>
+            </a:ext>
+          </a:extLst>
+        </p:spPr>
+      </p:pic>
+      <p:pic>
+        <p:nvPicPr>
+          <p:cNvPr id="6" name="Imagen 5">
+            <a:extLst>
+              <a:ext uri="{FF2B5EF4-FFF2-40B4-BE49-F238E27FC236}">
+                <a16:creationId xmlns:a16="http://schemas.microsoft.com/office/drawing/2014/main" id="{12D2FA1B-CE55-4528-9D6F-E2EFABE54CC4}"/>
+              </a:ext>
+            </a:extLst>
+          </p:cNvPr>
+          <p:cNvPicPr>
+            <a:picLocks noChangeAspect="1"/>
+          </p:cNvPicPr>
+          <p:nvPr/>
+        </p:nvPicPr>
+        <p:blipFill>
+          <a:blip r:embed="rId4"/>
+          <a:stretch>
+            <a:fillRect/>
+          </a:stretch>
+        </p:blipFill>
+        <p:spPr>
+          <a:xfrm>
+            <a:off x="4786310" y="431284"/>
+            <a:ext cx="2752725" cy="1714500"/>
+          </a:xfrm>
+          <a:prstGeom prst="rect">
+            <a:avLst/>
+          </a:prstGeom>
+        </p:spPr>
+      </p:pic>
+    </p:spTree>
+    <p:extLst>
+      <p:ext uri="{BB962C8B-B14F-4D97-AF65-F5344CB8AC3E}">
+        <p14:creationId xmlns:p14="http://schemas.microsoft.com/office/powerpoint/2010/main" val="2084404079"/>
+      </p:ext>
+    </p:extLst>
+  </p:cSld>
+  <p:clrMapOvr>
+    <a:masterClrMapping/>
+  </p:clrMapOvr>
+</p:sld>
+</file>
+
+<file path=ppt/slides/slide19.xml><?xml version="1.0" encoding="utf-8"?>
+<p:sld xmlns:a="http://schemas.openxmlformats.org/drawingml/2006/main" xmlns:r="http://schemas.openxmlformats.org/officeDocument/2006/relationships" xmlns:p="http://schemas.openxmlformats.org/presentationml/2006/main">
+  <p:cSld>
+    <p:spTree>
+      <p:nvGrpSpPr>
+        <p:cNvPr id="1" name=""/>
+        <p:cNvGrpSpPr/>
+        <p:nvPr/>
+      </p:nvGrpSpPr>
+      <p:grpSpPr>
+        <a:xfrm>
+          <a:off x="0" y="0"/>
+          <a:ext cx="0" cy="0"/>
+          <a:chOff x="0" y="0"/>
+          <a:chExt cx="0" cy="0"/>
+        </a:xfrm>
+      </p:grpSpPr>
+      <p:sp>
+        <p:nvSpPr>
+          <p:cNvPr id="3" name="Marcador de contenido 2">
+            <a:extLst>
+              <a:ext uri="{FF2B5EF4-FFF2-40B4-BE49-F238E27FC236}">
+                <a16:creationId xmlns:a16="http://schemas.microsoft.com/office/drawing/2014/main" id="{D0892768-35EF-47CB-A41B-34DB31DDBDC3}"/>
+              </a:ext>
+            </a:extLst>
+          </p:cNvPr>
+          <p:cNvSpPr>
+            <a:spLocks noGrp="1"/>
+          </p:cNvSpPr>
+          <p:nvPr>
+            <p:ph sz="half" idx="1"/>
           </p:nvPr>
         </p:nvSpPr>
         <p:spPr/>
         <p:txBody>
-          <a:bodyPr/>
-          <a:lstStyle/>
-          <a:p>
-            <a:r>
-              <a:rPr lang="es-MX" b="1" dirty="0"/>
-              <a:t>PANDAS</a:t>
-            </a:r>
-            <a:endParaRPr lang="es-PE" b="1" dirty="0"/>
-          </a:p>
-        </p:txBody>
-      </p:sp>
-      <p:sp>
-        <p:nvSpPr>
-          <p:cNvPr id="3" name="Marcador de contenido 2">
-            <a:extLst>
-              <a:ext uri="{FF2B5EF4-FFF2-40B4-BE49-F238E27FC236}">
-                <a16:creationId xmlns:a16="http://schemas.microsoft.com/office/drawing/2014/main" id="{D0892768-35EF-47CB-A41B-34DB31DDBDC3}"/>
-              </a:ext>
-            </a:extLst>
-          </p:cNvPr>
-          <p:cNvSpPr>
-            <a:spLocks noGrp="1"/>
-          </p:cNvSpPr>
-          <p:nvPr>
-            <p:ph sz="half" idx="1"/>
-          </p:nvPr>
-        </p:nvSpPr>
-        <p:spPr/>
-        <p:txBody>
-          <a:bodyPr/>
-          <a:lstStyle/>
-          <a:p>
-            <a:endParaRPr lang="es-PE"/>
-          </a:p>
-        </p:txBody>
-      </p:sp>
-      <p:sp>
-        <p:nvSpPr>
-          <p:cNvPr id="4" name="Marcador de contenido 3">
-            <a:extLst>
-              <a:ext uri="{FF2B5EF4-FFF2-40B4-BE49-F238E27FC236}">
-                <a16:creationId xmlns:a16="http://schemas.microsoft.com/office/drawing/2014/main" id="{8156F0C1-B2BB-4F0D-ACF7-0EDDB05EDFEA}"/>
-              </a:ext>
-            </a:extLst>
-          </p:cNvPr>
-          <p:cNvSpPr>
-            <a:spLocks noGrp="1"/>
-          </p:cNvSpPr>
-          <p:nvPr>
-            <p:ph sz="half" idx="2"/>
-          </p:nvPr>
-        </p:nvSpPr>
-        <p:spPr/>
-        <p:txBody>
-          <a:bodyPr/>
-          <a:lstStyle/>
-          <a:p>
-            <a:endParaRPr lang="es-PE"/>
-          </a:p>
-        </p:txBody>
-      </p:sp>
+          <a:bodyPr>
+            <a:normAutofit lnSpcReduction="10000"/>
+          </a:bodyPr>
+          <a:lstStyle/>
+          <a:p>
+            <a:pPr marL="0" indent="0" algn="just">
+              <a:buNone/>
+            </a:pPr>
+            <a:r>
+              <a:rPr lang="es-MX" dirty="0"/>
+              <a:t>Pandas es una librería de Python especializada en el manejo y análisis de estructuras de datos.</a:t>
+            </a:r>
+          </a:p>
+          <a:p>
+            <a:pPr algn="just">
+              <a:buFont typeface="Arial" panose="020B0604020202020204" pitchFamily="34" charset="0"/>
+              <a:buChar char="•"/>
+            </a:pPr>
+            <a:r>
+              <a:rPr lang="es-MX" b="0" i="0" dirty="0">
+                <a:solidFill>
+                  <a:srgbClr val="F8F8F2"/>
+                </a:solidFill>
+                <a:effectLst/>
+                <a:latin typeface="Source Sans Pro" panose="020B0503030403020204" pitchFamily="34" charset="0"/>
+              </a:rPr>
+              <a:t>Define nuevas estructuras de datos basadas en los </a:t>
+            </a:r>
+            <a:r>
+              <a:rPr lang="es-MX" b="0" i="0" dirty="0" err="1">
+                <a:solidFill>
+                  <a:srgbClr val="F8F8F2"/>
+                </a:solidFill>
+                <a:effectLst/>
+                <a:latin typeface="Source Sans Pro" panose="020B0503030403020204" pitchFamily="34" charset="0"/>
+              </a:rPr>
+              <a:t>arrays</a:t>
+            </a:r>
+            <a:r>
+              <a:rPr lang="es-MX" b="0" i="0" dirty="0">
+                <a:solidFill>
+                  <a:srgbClr val="F8F8F2"/>
+                </a:solidFill>
+                <a:effectLst/>
+                <a:latin typeface="Source Sans Pro" panose="020B0503030403020204" pitchFamily="34" charset="0"/>
+              </a:rPr>
+              <a:t> de la librería </a:t>
+            </a:r>
+            <a:r>
+              <a:rPr lang="es-MX" b="0" i="0" dirty="0" err="1">
+                <a:solidFill>
+                  <a:srgbClr val="F8F8F2"/>
+                </a:solidFill>
+                <a:effectLst/>
+                <a:latin typeface="Source Sans Pro" panose="020B0503030403020204" pitchFamily="34" charset="0"/>
+              </a:rPr>
+              <a:t>NumPy</a:t>
+            </a:r>
+            <a:r>
+              <a:rPr lang="es-MX" b="0" i="0" dirty="0">
+                <a:solidFill>
+                  <a:srgbClr val="F8F8F2"/>
+                </a:solidFill>
+                <a:effectLst/>
+                <a:latin typeface="Source Sans Pro" panose="020B0503030403020204" pitchFamily="34" charset="0"/>
+              </a:rPr>
+              <a:t> pero con nuevas funcionalidades.</a:t>
+            </a:r>
+          </a:p>
+          <a:p>
+            <a:pPr algn="just">
+              <a:buFont typeface="Arial" panose="020B0604020202020204" pitchFamily="34" charset="0"/>
+              <a:buChar char="•"/>
+            </a:pPr>
+            <a:r>
+              <a:rPr lang="es-MX" b="0" i="0" dirty="0">
+                <a:solidFill>
+                  <a:srgbClr val="F8F8F2"/>
+                </a:solidFill>
+                <a:effectLst/>
+                <a:latin typeface="Source Sans Pro" panose="020B0503030403020204" pitchFamily="34" charset="0"/>
+              </a:rPr>
+              <a:t>Permite leer y escribir fácilmente ficheros en formato CSV, Excel y bases de datos SQL.</a:t>
+            </a:r>
+          </a:p>
+          <a:p>
+            <a:pPr algn="just">
+              <a:buFont typeface="Arial" panose="020B0604020202020204" pitchFamily="34" charset="0"/>
+              <a:buChar char="•"/>
+            </a:pPr>
+            <a:r>
+              <a:rPr lang="es-MX" b="0" i="0" dirty="0">
+                <a:solidFill>
+                  <a:srgbClr val="F8F8F2"/>
+                </a:solidFill>
+                <a:effectLst/>
+                <a:latin typeface="Source Sans Pro" panose="020B0503030403020204" pitchFamily="34" charset="0"/>
+              </a:rPr>
+              <a:t>Permite acceder a los datos mediante índices o nombres para filas y columnas.</a:t>
+            </a:r>
+          </a:p>
+          <a:p>
+            <a:pPr marL="0" indent="0">
+              <a:buNone/>
+            </a:pPr>
+            <a:endParaRPr lang="es-PE" dirty="0"/>
+          </a:p>
+        </p:txBody>
+      </p:sp>
+      <p:pic>
+        <p:nvPicPr>
+          <p:cNvPr id="2050" name="Picture 2" descr="Primeros pasos con Pandas - Adictos al trabajo Tutoriales">
+            <a:extLst>
+              <a:ext uri="{FF2B5EF4-FFF2-40B4-BE49-F238E27FC236}">
+                <a16:creationId xmlns:a16="http://schemas.microsoft.com/office/drawing/2014/main" id="{F1F31FFB-CA0D-4C5C-ABEB-814F34720F4B}"/>
+              </a:ext>
+            </a:extLst>
+          </p:cNvPr>
+          <p:cNvPicPr>
+            <a:picLocks noChangeAspect="1" noChangeArrowheads="1"/>
+          </p:cNvPicPr>
+          <p:nvPr/>
+        </p:nvPicPr>
+        <p:blipFill>
+          <a:blip r:embed="rId2">
+            <a:extLst>
+              <a:ext uri="{28A0092B-C50C-407E-A947-70E740481C1C}">
+                <a14:useLocalDpi xmlns:a14="http://schemas.microsoft.com/office/drawing/2010/main" val="0"/>
+              </a:ext>
+            </a:extLst>
+          </a:blip>
+          <a:srcRect/>
+          <a:stretch>
+            <a:fillRect/>
+          </a:stretch>
+        </p:blipFill>
+        <p:spPr bwMode="auto">
+          <a:xfrm>
+            <a:off x="1771216" y="372162"/>
+            <a:ext cx="3220318" cy="1301545"/>
+          </a:xfrm>
+          <a:prstGeom prst="rect">
+            <a:avLst/>
+          </a:prstGeom>
+          <a:noFill/>
+          <a:extLst>
+            <a:ext uri="{909E8E84-426E-40DD-AFC4-6F175D3DCCD1}">
+              <a14:hiddenFill xmlns:a14="http://schemas.microsoft.com/office/drawing/2010/main">
+                <a:solidFill>
+                  <a:srgbClr val="FFFFFF"/>
+                </a:solidFill>
+              </a14:hiddenFill>
+            </a:ext>
+          </a:extLst>
+        </p:spPr>
+      </p:pic>
+      <p:pic>
+        <p:nvPicPr>
+          <p:cNvPr id="8" name="Imagen 7">
+            <a:extLst>
+              <a:ext uri="{FF2B5EF4-FFF2-40B4-BE49-F238E27FC236}">
+                <a16:creationId xmlns:a16="http://schemas.microsoft.com/office/drawing/2014/main" id="{69FBD6F6-A216-4314-8E2B-A425185DA959}"/>
+              </a:ext>
+            </a:extLst>
+          </p:cNvPr>
+          <p:cNvPicPr>
+            <a:picLocks noChangeAspect="1"/>
+          </p:cNvPicPr>
+          <p:nvPr/>
+        </p:nvPicPr>
+        <p:blipFill>
+          <a:blip r:embed="rId3"/>
+          <a:stretch>
+            <a:fillRect/>
+          </a:stretch>
+        </p:blipFill>
+        <p:spPr>
+          <a:xfrm>
+            <a:off x="7743366" y="0"/>
+            <a:ext cx="4448634" cy="6901620"/>
+          </a:xfrm>
+          <a:prstGeom prst="rect">
+            <a:avLst/>
+          </a:prstGeom>
+        </p:spPr>
+      </p:pic>
     </p:spTree>
     <p:extLst>
       <p:ext uri="{BB962C8B-B14F-4D97-AF65-F5344CB8AC3E}">
@@ -5202,6 +5554,519 @@
     <p:extLst>
       <p:ext uri="{BB962C8B-B14F-4D97-AF65-F5344CB8AC3E}">
         <p14:creationId xmlns:p14="http://schemas.microsoft.com/office/powerpoint/2010/main" val="1238157970"/>
+      </p:ext>
+    </p:extLst>
+  </p:cSld>
+  <p:clrMapOvr>
+    <a:masterClrMapping/>
+  </p:clrMapOvr>
+</p:sld>
+</file>
+
+<file path=ppt/slides/slide20.xml><?xml version="1.0" encoding="utf-8"?>
+<p:sld xmlns:a="http://schemas.openxmlformats.org/drawingml/2006/main" xmlns:r="http://schemas.openxmlformats.org/officeDocument/2006/relationships" xmlns:p="http://schemas.openxmlformats.org/presentationml/2006/main">
+  <p:cSld>
+    <p:spTree>
+      <p:nvGrpSpPr>
+        <p:cNvPr id="1" name=""/>
+        <p:cNvGrpSpPr/>
+        <p:nvPr/>
+      </p:nvGrpSpPr>
+      <p:grpSpPr>
+        <a:xfrm>
+          <a:off x="0" y="0"/>
+          <a:ext cx="0" cy="0"/>
+          <a:chOff x="0" y="0"/>
+          <a:chExt cx="0" cy="0"/>
+        </a:xfrm>
+      </p:grpSpPr>
+      <p:sp>
+        <p:nvSpPr>
+          <p:cNvPr id="3" name="Marcador de contenido 2">
+            <a:extLst>
+              <a:ext uri="{FF2B5EF4-FFF2-40B4-BE49-F238E27FC236}">
+                <a16:creationId xmlns:a16="http://schemas.microsoft.com/office/drawing/2014/main" id="{F0C31B6D-3495-4900-B62B-663E43E66235}"/>
+              </a:ext>
+            </a:extLst>
+          </p:cNvPr>
+          <p:cNvSpPr>
+            <a:spLocks noGrp="1"/>
+          </p:cNvSpPr>
+          <p:nvPr>
+            <p:ph sz="half" idx="1"/>
+          </p:nvPr>
+        </p:nvSpPr>
+        <p:spPr/>
+        <p:txBody>
+          <a:bodyPr/>
+          <a:lstStyle/>
+          <a:p>
+            <a:r>
+              <a:rPr lang="es-MX" b="1" dirty="0"/>
+              <a:t>Instalar pandas</a:t>
+            </a:r>
+          </a:p>
+          <a:p>
+            <a:pPr marL="0" indent="0">
+              <a:buNone/>
+            </a:pPr>
+            <a:r>
+              <a:rPr lang="es-MX" dirty="0"/>
+              <a:t>Puedes instalar pandas en Python usando </a:t>
+            </a:r>
+            <a:r>
+              <a:rPr lang="es-MX" dirty="0" err="1"/>
+              <a:t>pip</a:t>
+            </a:r>
+            <a:r>
+              <a:rPr lang="es-MX" dirty="0"/>
+              <a:t>. Ejecuta el siguiente comando en </a:t>
+            </a:r>
+            <a:r>
+              <a:rPr lang="es-MX" dirty="0" err="1"/>
+              <a:t>cmd</a:t>
+            </a:r>
+            <a:r>
+              <a:rPr lang="es-MX" dirty="0"/>
+              <a:t>:</a:t>
+            </a:r>
+          </a:p>
+          <a:p>
+            <a:endParaRPr lang="es-MX" dirty="0"/>
+          </a:p>
+          <a:p>
+            <a:pPr marL="0" indent="0" algn="ctr">
+              <a:buNone/>
+            </a:pPr>
+            <a:r>
+              <a:rPr lang="es-MX" b="1" dirty="0" err="1"/>
+              <a:t>pip</a:t>
+            </a:r>
+            <a:r>
+              <a:rPr lang="es-MX" b="1" dirty="0"/>
+              <a:t> </a:t>
+            </a:r>
+            <a:r>
+              <a:rPr lang="es-MX" b="1" dirty="0" err="1"/>
+              <a:t>install</a:t>
+            </a:r>
+            <a:r>
+              <a:rPr lang="es-MX" b="1" dirty="0"/>
+              <a:t> pandas</a:t>
+            </a:r>
+            <a:endParaRPr lang="es-PE" b="1" dirty="0"/>
+          </a:p>
+        </p:txBody>
+      </p:sp>
+      <p:pic>
+        <p:nvPicPr>
+          <p:cNvPr id="5" name="Picture 2" descr="Primeros pasos con Pandas - Adictos al trabajo Tutoriales">
+            <a:extLst>
+              <a:ext uri="{FF2B5EF4-FFF2-40B4-BE49-F238E27FC236}">
+                <a16:creationId xmlns:a16="http://schemas.microsoft.com/office/drawing/2014/main" id="{C42ACE02-0026-4CA2-991C-273B2B94DD99}"/>
+              </a:ext>
+            </a:extLst>
+          </p:cNvPr>
+          <p:cNvPicPr>
+            <a:picLocks noChangeAspect="1" noChangeArrowheads="1"/>
+          </p:cNvPicPr>
+          <p:nvPr/>
+        </p:nvPicPr>
+        <p:blipFill>
+          <a:blip r:embed="rId2">
+            <a:extLst>
+              <a:ext uri="{28A0092B-C50C-407E-A947-70E740481C1C}">
+                <a14:useLocalDpi xmlns:a14="http://schemas.microsoft.com/office/drawing/2010/main" val="0"/>
+              </a:ext>
+            </a:extLst>
+          </a:blip>
+          <a:srcRect/>
+          <a:stretch>
+            <a:fillRect/>
+          </a:stretch>
+        </p:blipFill>
+        <p:spPr bwMode="auto">
+          <a:xfrm>
+            <a:off x="1771216" y="372162"/>
+            <a:ext cx="3220318" cy="1301545"/>
+          </a:xfrm>
+          <a:prstGeom prst="rect">
+            <a:avLst/>
+          </a:prstGeom>
+          <a:noFill/>
+          <a:extLst>
+            <a:ext uri="{909E8E84-426E-40DD-AFC4-6F175D3DCCD1}">
+              <a14:hiddenFill xmlns:a14="http://schemas.microsoft.com/office/drawing/2010/main">
+                <a:solidFill>
+                  <a:srgbClr val="FFFFFF"/>
+                </a:solidFill>
+              </a14:hiddenFill>
+            </a:ext>
+          </a:extLst>
+        </p:spPr>
+      </p:pic>
+      <p:pic>
+        <p:nvPicPr>
+          <p:cNvPr id="3074" name="Picture 2">
+            <a:extLst>
+              <a:ext uri="{FF2B5EF4-FFF2-40B4-BE49-F238E27FC236}">
+                <a16:creationId xmlns:a16="http://schemas.microsoft.com/office/drawing/2014/main" id="{E3E71B9B-2B06-419A-86D5-B885E300D10E}"/>
+              </a:ext>
+            </a:extLst>
+          </p:cNvPr>
+          <p:cNvPicPr>
+            <a:picLocks noChangeAspect="1" noChangeArrowheads="1"/>
+          </p:cNvPicPr>
+          <p:nvPr/>
+        </p:nvPicPr>
+        <p:blipFill>
+          <a:blip r:embed="rId3">
+            <a:extLst>
+              <a:ext uri="{28A0092B-C50C-407E-A947-70E740481C1C}">
+                <a14:useLocalDpi xmlns:a14="http://schemas.microsoft.com/office/drawing/2010/main" val="0"/>
+              </a:ext>
+            </a:extLst>
+          </a:blip>
+          <a:srcRect/>
+          <a:stretch>
+            <a:fillRect/>
+          </a:stretch>
+        </p:blipFill>
+        <p:spPr bwMode="auto">
+          <a:xfrm>
+            <a:off x="6424614" y="2163795"/>
+            <a:ext cx="5357812" cy="2841593"/>
+          </a:xfrm>
+          <a:prstGeom prst="rect">
+            <a:avLst/>
+          </a:prstGeom>
+          <a:noFill/>
+          <a:extLst>
+            <a:ext uri="{909E8E84-426E-40DD-AFC4-6F175D3DCCD1}">
+              <a14:hiddenFill xmlns:a14="http://schemas.microsoft.com/office/drawing/2010/main">
+                <a:solidFill>
+                  <a:srgbClr val="FFFFFF"/>
+                </a:solidFill>
+              </a14:hiddenFill>
+            </a:ext>
+          </a:extLst>
+        </p:spPr>
+      </p:pic>
+    </p:spTree>
+    <p:extLst>
+      <p:ext uri="{BB962C8B-B14F-4D97-AF65-F5344CB8AC3E}">
+        <p14:creationId xmlns:p14="http://schemas.microsoft.com/office/powerpoint/2010/main" val="616338169"/>
+      </p:ext>
+    </p:extLst>
+  </p:cSld>
+  <p:clrMapOvr>
+    <a:masterClrMapping/>
+  </p:clrMapOvr>
+</p:sld>
+</file>
+
+<file path=ppt/slides/slide21.xml><?xml version="1.0" encoding="utf-8"?>
+<p:sld xmlns:a="http://schemas.openxmlformats.org/drawingml/2006/main" xmlns:r="http://schemas.openxmlformats.org/officeDocument/2006/relationships" xmlns:p="http://schemas.openxmlformats.org/presentationml/2006/main">
+  <p:cSld>
+    <p:spTree>
+      <p:nvGrpSpPr>
+        <p:cNvPr id="1" name=""/>
+        <p:cNvGrpSpPr/>
+        <p:nvPr/>
+      </p:nvGrpSpPr>
+      <p:grpSpPr>
+        <a:xfrm>
+          <a:off x="0" y="0"/>
+          <a:ext cx="0" cy="0"/>
+          <a:chOff x="0" y="0"/>
+          <a:chExt cx="0" cy="0"/>
+        </a:xfrm>
+      </p:grpSpPr>
+      <p:sp>
+        <p:nvSpPr>
+          <p:cNvPr id="2" name="Título 1">
+            <a:extLst>
+              <a:ext uri="{FF2B5EF4-FFF2-40B4-BE49-F238E27FC236}">
+                <a16:creationId xmlns:a16="http://schemas.microsoft.com/office/drawing/2014/main" id="{2BF62524-B248-4D0F-B569-91B648CF6BEB}"/>
+              </a:ext>
+            </a:extLst>
+          </p:cNvPr>
+          <p:cNvSpPr>
+            <a:spLocks noGrp="1"/>
+          </p:cNvSpPr>
+          <p:nvPr>
+            <p:ph type="title"/>
+          </p:nvPr>
+        </p:nvSpPr>
+        <p:spPr/>
+        <p:txBody>
+          <a:bodyPr/>
+          <a:lstStyle/>
+          <a:p>
+            <a:r>
+              <a:rPr lang="es-MX" b="1" dirty="0"/>
+              <a:t>LIBRERIAS DE APOYO</a:t>
+            </a:r>
+            <a:endParaRPr lang="es-PE" b="1" dirty="0"/>
+          </a:p>
+        </p:txBody>
+      </p:sp>
+      <p:sp>
+        <p:nvSpPr>
+          <p:cNvPr id="3" name="Marcador de contenido 2">
+            <a:extLst>
+              <a:ext uri="{FF2B5EF4-FFF2-40B4-BE49-F238E27FC236}">
+                <a16:creationId xmlns:a16="http://schemas.microsoft.com/office/drawing/2014/main" id="{87C38F86-2A2B-4187-99E3-5829740F0152}"/>
+              </a:ext>
+            </a:extLst>
+          </p:cNvPr>
+          <p:cNvSpPr>
+            <a:spLocks noGrp="1"/>
+          </p:cNvSpPr>
+          <p:nvPr>
+            <p:ph sz="half" idx="1"/>
+          </p:nvPr>
+        </p:nvSpPr>
+        <p:spPr>
+          <a:xfrm>
+            <a:off x="1205344" y="2011680"/>
+            <a:ext cx="6986156" cy="4562144"/>
+          </a:xfrm>
+        </p:spPr>
+        <p:txBody>
+          <a:bodyPr/>
+          <a:lstStyle/>
+          <a:p>
+            <a:pPr marL="0" indent="0" algn="just">
+              <a:buNone/>
+            </a:pPr>
+            <a:r>
+              <a:rPr lang="es-MX" dirty="0" err="1"/>
+              <a:t>openpyxl</a:t>
+            </a:r>
+            <a:r>
+              <a:rPr lang="es-MX" dirty="0"/>
+              <a:t> es una biblioteca de Python para leer/escribir archivos Excel 2010 xlsx/</a:t>
+            </a:r>
+            <a:r>
+              <a:rPr lang="es-MX" dirty="0" err="1"/>
+              <a:t>xlsm</a:t>
+            </a:r>
+            <a:r>
+              <a:rPr lang="es-MX" dirty="0"/>
+              <a:t>/</a:t>
+            </a:r>
+            <a:r>
+              <a:rPr lang="es-MX" dirty="0" err="1"/>
+              <a:t>xltx</a:t>
+            </a:r>
+            <a:r>
+              <a:rPr lang="es-MX" dirty="0"/>
+              <a:t>/</a:t>
+            </a:r>
+            <a:r>
+              <a:rPr lang="es-MX" dirty="0" err="1"/>
+              <a:t>xltm</a:t>
+            </a:r>
+            <a:r>
+              <a:rPr lang="es-MX" dirty="0"/>
+              <a:t>.</a:t>
+            </a:r>
+          </a:p>
+          <a:p>
+            <a:pPr marL="0" indent="0" algn="just">
+              <a:buNone/>
+            </a:pPr>
+            <a:endParaRPr lang="es-MX" dirty="0"/>
+          </a:p>
+          <a:p>
+            <a:pPr marL="0" indent="0" algn="just">
+              <a:buNone/>
+            </a:pPr>
+            <a:r>
+              <a:rPr lang="es-MX" dirty="0"/>
+              <a:t>Python </a:t>
+            </a:r>
+            <a:r>
+              <a:rPr lang="es-MX" dirty="0" err="1"/>
+              <a:t>xlrd</a:t>
+            </a:r>
+            <a:r>
+              <a:rPr lang="es-MX" dirty="0"/>
+              <a:t> recupera datos de una hoja de cálculo utilizando el módulo </a:t>
+            </a:r>
+            <a:r>
+              <a:rPr lang="es-MX" dirty="0" err="1"/>
+              <a:t>xlrd</a:t>
+            </a:r>
+            <a:r>
+              <a:rPr lang="es-MX" dirty="0"/>
+              <a:t>. Se utiliza para leer, escribir o modificar datos.</a:t>
+            </a:r>
+          </a:p>
+          <a:p>
+            <a:pPr marL="0" indent="0" algn="just">
+              <a:buNone/>
+            </a:pPr>
+            <a:endParaRPr lang="es-MX" dirty="0"/>
+          </a:p>
+          <a:p>
+            <a:pPr marL="0" indent="0" algn="just">
+              <a:buNone/>
+            </a:pPr>
+            <a:r>
+              <a:rPr lang="es-MX" dirty="0" err="1"/>
+              <a:t>XlsxWriter</a:t>
+            </a:r>
+            <a:r>
+              <a:rPr lang="es-MX" dirty="0"/>
+              <a:t> es un módulo de Python que se puede usar para escribir texto, números, fórmulas e hipervínculos a varias hojas de trabajo en un archivo XLSX de Excel 2007+.</a:t>
+            </a:r>
+            <a:endParaRPr lang="es-PE" dirty="0"/>
+          </a:p>
+        </p:txBody>
+      </p:sp>
+      <p:pic>
+        <p:nvPicPr>
+          <p:cNvPr id="4098" name="Picture 2">
+            <a:extLst>
+              <a:ext uri="{FF2B5EF4-FFF2-40B4-BE49-F238E27FC236}">
+                <a16:creationId xmlns:a16="http://schemas.microsoft.com/office/drawing/2014/main" id="{D23ED3A0-49A3-49FB-B132-64E00627288D}"/>
+              </a:ext>
+            </a:extLst>
+          </p:cNvPr>
+          <p:cNvPicPr>
+            <a:picLocks noChangeAspect="1" noChangeArrowheads="1"/>
+          </p:cNvPicPr>
+          <p:nvPr/>
+        </p:nvPicPr>
+        <p:blipFill>
+          <a:blip r:embed="rId2">
+            <a:extLst>
+              <a:ext uri="{28A0092B-C50C-407E-A947-70E740481C1C}">
+                <a14:useLocalDpi xmlns:a14="http://schemas.microsoft.com/office/drawing/2010/main" val="0"/>
+              </a:ext>
+            </a:extLst>
+          </a:blip>
+          <a:srcRect/>
+          <a:stretch>
+            <a:fillRect/>
+          </a:stretch>
+        </p:blipFill>
+        <p:spPr bwMode="auto">
+          <a:xfrm>
+            <a:off x="8643504" y="3088701"/>
+            <a:ext cx="3412813" cy="2462101"/>
+          </a:xfrm>
+          <a:prstGeom prst="rect">
+            <a:avLst/>
+          </a:prstGeom>
+          <a:noFill/>
+          <a:extLst>
+            <a:ext uri="{909E8E84-426E-40DD-AFC4-6F175D3DCCD1}">
+              <a14:hiddenFill xmlns:a14="http://schemas.microsoft.com/office/drawing/2010/main">
+                <a:solidFill>
+                  <a:srgbClr val="FFFFFF"/>
+                </a:solidFill>
+              </a14:hiddenFill>
+            </a:ext>
+          </a:extLst>
+        </p:spPr>
+      </p:pic>
+      <p:pic>
+        <p:nvPicPr>
+          <p:cNvPr id="9" name="Imagen 8">
+            <a:extLst>
+              <a:ext uri="{FF2B5EF4-FFF2-40B4-BE49-F238E27FC236}">
+                <a16:creationId xmlns:a16="http://schemas.microsoft.com/office/drawing/2014/main" id="{9DBE3104-2571-4497-9EAA-F05060FED61A}"/>
+              </a:ext>
+            </a:extLst>
+          </p:cNvPr>
+          <p:cNvPicPr>
+            <a:picLocks noChangeAspect="1"/>
+          </p:cNvPicPr>
+          <p:nvPr/>
+        </p:nvPicPr>
+        <p:blipFill>
+          <a:blip r:embed="rId3"/>
+          <a:stretch>
+            <a:fillRect/>
+          </a:stretch>
+        </p:blipFill>
+        <p:spPr>
+          <a:xfrm>
+            <a:off x="3019424" y="2777434"/>
+            <a:ext cx="3076576" cy="456415"/>
+          </a:xfrm>
+          <a:prstGeom prst="rect">
+            <a:avLst/>
+          </a:prstGeom>
+        </p:spPr>
+      </p:pic>
+      <p:pic>
+        <p:nvPicPr>
+          <p:cNvPr id="13" name="Imagen 12">
+            <a:extLst>
+              <a:ext uri="{FF2B5EF4-FFF2-40B4-BE49-F238E27FC236}">
+                <a16:creationId xmlns:a16="http://schemas.microsoft.com/office/drawing/2014/main" id="{E05CCAA1-864C-471C-8AE1-B4C5C782B742}"/>
+              </a:ext>
+            </a:extLst>
+          </p:cNvPr>
+          <p:cNvPicPr>
+            <a:picLocks noChangeAspect="1"/>
+          </p:cNvPicPr>
+          <p:nvPr/>
+        </p:nvPicPr>
+        <p:blipFill>
+          <a:blip r:embed="rId4"/>
+          <a:stretch>
+            <a:fillRect/>
+          </a:stretch>
+        </p:blipFill>
+        <p:spPr>
+          <a:xfrm>
+            <a:off x="3038997" y="4319752"/>
+            <a:ext cx="2714104" cy="485303"/>
+          </a:xfrm>
+          <a:prstGeom prst="rect">
+            <a:avLst/>
+          </a:prstGeom>
+        </p:spPr>
+      </p:pic>
+      <p:pic>
+        <p:nvPicPr>
+          <p:cNvPr id="16" name="Imagen 15">
+            <a:extLst>
+              <a:ext uri="{FF2B5EF4-FFF2-40B4-BE49-F238E27FC236}">
+                <a16:creationId xmlns:a16="http://schemas.microsoft.com/office/drawing/2014/main" id="{6684AD0B-9012-48BF-A3AF-44CE0295EC22}"/>
+              </a:ext>
+            </a:extLst>
+          </p:cNvPr>
+          <p:cNvPicPr>
+            <a:picLocks noChangeAspect="1"/>
+          </p:cNvPicPr>
+          <p:nvPr/>
+        </p:nvPicPr>
+        <p:blipFill>
+          <a:blip r:embed="rId5"/>
+          <a:stretch>
+            <a:fillRect/>
+          </a:stretch>
+        </p:blipFill>
+        <p:spPr>
+          <a:xfrm>
+            <a:off x="2922673" y="5994232"/>
+            <a:ext cx="3270077" cy="480398"/>
+          </a:xfrm>
+          <a:prstGeom prst="rect">
+            <a:avLst/>
+          </a:prstGeom>
+        </p:spPr>
+      </p:pic>
+    </p:spTree>
+    <p:extLst>
+      <p:ext uri="{BB962C8B-B14F-4D97-AF65-F5344CB8AC3E}">
+        <p14:creationId xmlns:p14="http://schemas.microsoft.com/office/powerpoint/2010/main" val="3666241899"/>
       </p:ext>
     </p:extLst>
   </p:cSld>
